--- a/docs/basic/var/Variabelen-bewerkingen-conversies.pptx
+++ b/docs/basic/var/Variabelen-bewerkingen-conversies.pptx
@@ -5,10 +5,10 @@
     <p:sldMasterId id="2147483649" r:id="rId4"/>
   </p:sldMasterIdLst>
   <p:notesMasterIdLst>
-    <p:notesMasterId r:id="rId16"/>
+    <p:notesMasterId r:id="rId15"/>
   </p:notesMasterIdLst>
   <p:handoutMasterIdLst>
-    <p:handoutMasterId r:id="rId17"/>
+    <p:handoutMasterId r:id="rId16"/>
   </p:handoutMasterIdLst>
   <p:sldIdLst>
     <p:sldId id="256" r:id="rId5"/>
@@ -21,7 +21,6 @@
     <p:sldId id="263" r:id="rId12"/>
     <p:sldId id="264" r:id="rId13"/>
     <p:sldId id="265" r:id="rId14"/>
-    <p:sldId id="268" r:id="rId15"/>
   </p:sldIdLst>
   <p:sldSz cx="9144000" cy="6858000" type="screen4x3"/>
   <p:notesSz cx="6858000" cy="9144000"/>
@@ -150,6 +149,36 @@
       </a:defRPr>
     </a:lvl9pPr>
   </p:defaultTextStyle>
+  <p:extLst>
+    <p:ext uri="{EFAFB233-063F-42B5-8137-9DF3F51BA10A}">
+      <p15:sldGuideLst xmlns:p15="http://schemas.microsoft.com/office/powerpoint/2012/main">
+        <p15:guide id="1" orient="horz" pos="2160">
+          <p15:clr>
+            <a:srgbClr val="A4A3A4"/>
+          </p15:clr>
+        </p15:guide>
+        <p15:guide id="2" pos="2880">
+          <p15:clr>
+            <a:srgbClr val="A4A3A4"/>
+          </p15:clr>
+        </p15:guide>
+      </p15:sldGuideLst>
+    </p:ext>
+    <p:ext uri="{2D200454-40CA-4A62-9FC3-DE9A4176ACB9}">
+      <p15:notesGuideLst xmlns:p15="http://schemas.microsoft.com/office/powerpoint/2012/main">
+        <p15:guide id="1" orient="horz" pos="2880">
+          <p15:clr>
+            <a:srgbClr val="A4A3A4"/>
+          </p15:clr>
+        </p15:guide>
+        <p15:guide id="2" pos="2160">
+          <p15:clr>
+            <a:srgbClr val="A4A3A4"/>
+          </p15:clr>
+        </p15:guide>
+      </p15:notesGuideLst>
+    </p:ext>
+  </p:extLst>
 </p:presentation>
 </file>
 
@@ -231,7 +260,7 @@
               </a14:hiddenEffects>
             </a:ext>
             <a:ext uri="{FAA26D3D-D897-4be2-8F04-BA451C77F1D7}">
-              <ma14:placeholderFlag xmlns:ma14="http://schemas.microsoft.com/office/mac/drawingml/2011/main" xmlns="" val="1"/>
+              <ma14:placeholderFlag xmlns="" xmlns:ma14="http://schemas.microsoft.com/office/mac/drawingml/2011/main" val="1"/>
             </a:ext>
           </a:extLst>
         </p:spPr>
@@ -306,7 +335,7 @@
               </a14:hiddenEffects>
             </a:ext>
             <a:ext uri="{FAA26D3D-D897-4be2-8F04-BA451C77F1D7}">
-              <ma14:placeholderFlag xmlns:ma14="http://schemas.microsoft.com/office/mac/drawingml/2011/main" xmlns="" val="1"/>
+              <ma14:placeholderFlag xmlns="" xmlns:ma14="http://schemas.microsoft.com/office/mac/drawingml/2011/main" val="1"/>
             </a:ext>
           </a:extLst>
         </p:spPr>
@@ -326,7 +355,7 @@
           <a:p>
             <a:fld id="{E08E4B52-91AD-CB47-9CF7-94E952E29DF2}" type="datetime1">
               <a:rPr lang="nl-NL" smtClean="0"/>
-              <a:t>24-9-2015</a:t>
+              <a:t>28-12-2019</a:t>
             </a:fld>
             <a:endParaRPr lang="nl-NL"/>
           </a:p>
@@ -385,7 +414,7 @@
               </a14:hiddenEffects>
             </a:ext>
             <a:ext uri="{FAA26D3D-D897-4be2-8F04-BA451C77F1D7}">
-              <ma14:placeholderFlag xmlns:ma14="http://schemas.microsoft.com/office/mac/drawingml/2011/main" xmlns="" val="1"/>
+              <ma14:placeholderFlag xmlns="" xmlns:ma14="http://schemas.microsoft.com/office/mac/drawingml/2011/main" val="1"/>
             </a:ext>
           </a:extLst>
         </p:spPr>
@@ -460,7 +489,7 @@
               </a14:hiddenEffects>
             </a:ext>
             <a:ext uri="{FAA26D3D-D897-4be2-8F04-BA451C77F1D7}">
-              <ma14:placeholderFlag xmlns:ma14="http://schemas.microsoft.com/office/mac/drawingml/2011/main" xmlns="" val="1"/>
+              <ma14:placeholderFlag xmlns="" xmlns:ma14="http://schemas.microsoft.com/office/mac/drawingml/2011/main" val="1"/>
             </a:ext>
           </a:extLst>
         </p:spPr>
@@ -481,7 +510,7 @@
             <a:fld id="{3E9E5D1A-8207-F74E-847F-AC80C53CE032}" type="slidenum">
               <a:rPr lang="nl-NL"/>
               <a:pPr/>
-              <a:t>‹nr.›</a:t>
+              <a:t>‹#›</a:t>
             </a:fld>
             <a:endParaRPr lang="nl-NL"/>
           </a:p>
@@ -577,7 +606,7 @@
               </a14:hiddenEffects>
             </a:ext>
             <a:ext uri="{FAA26D3D-D897-4be2-8F04-BA451C77F1D7}">
-              <ma14:placeholderFlag xmlns:ma14="http://schemas.microsoft.com/office/mac/drawingml/2011/main" xmlns="" val="1"/>
+              <ma14:placeholderFlag xmlns="" xmlns:ma14="http://schemas.microsoft.com/office/mac/drawingml/2011/main" val="1"/>
             </a:ext>
           </a:extLst>
         </p:spPr>
@@ -652,7 +681,7 @@
               </a14:hiddenEffects>
             </a:ext>
             <a:ext uri="{FAA26D3D-D897-4be2-8F04-BA451C77F1D7}">
-              <ma14:placeholderFlag xmlns:ma14="http://schemas.microsoft.com/office/mac/drawingml/2011/main" xmlns="" val="1"/>
+              <ma14:placeholderFlag xmlns="" xmlns:ma14="http://schemas.microsoft.com/office/mac/drawingml/2011/main" val="1"/>
             </a:ext>
           </a:extLst>
         </p:spPr>
@@ -672,7 +701,7 @@
           <a:p>
             <a:fld id="{B84C9008-6D53-5049-B516-F0DE16816FD9}" type="datetime1">
               <a:rPr lang="nl-NL" smtClean="0"/>
-              <a:t>24-9-2015</a:t>
+              <a:t>28-12-2019</a:t>
             </a:fld>
             <a:endParaRPr lang="en-US"/>
           </a:p>
@@ -777,7 +806,7 @@
               </a14:hiddenEffects>
             </a:ext>
             <a:ext uri="{FAA26D3D-D897-4be2-8F04-BA451C77F1D7}">
-              <ma14:placeholderFlag xmlns:ma14="http://schemas.microsoft.com/office/mac/drawingml/2011/main" xmlns="" val="1"/>
+              <ma14:placeholderFlag xmlns="" xmlns:ma14="http://schemas.microsoft.com/office/mac/drawingml/2011/main" val="1"/>
             </a:ext>
           </a:extLst>
         </p:spPr>
@@ -878,7 +907,7 @@
               </a14:hiddenEffects>
             </a:ext>
             <a:ext uri="{FAA26D3D-D897-4be2-8F04-BA451C77F1D7}">
-              <ma14:placeholderFlag xmlns:ma14="http://schemas.microsoft.com/office/mac/drawingml/2011/main" xmlns="" val="1"/>
+              <ma14:placeholderFlag xmlns="" xmlns:ma14="http://schemas.microsoft.com/office/mac/drawingml/2011/main" val="1"/>
             </a:ext>
           </a:extLst>
         </p:spPr>
@@ -953,7 +982,7 @@
               </a14:hiddenEffects>
             </a:ext>
             <a:ext uri="{FAA26D3D-D897-4be2-8F04-BA451C77F1D7}">
-              <ma14:placeholderFlag xmlns:ma14="http://schemas.microsoft.com/office/mac/drawingml/2011/main" xmlns="" val="1"/>
+              <ma14:placeholderFlag xmlns="" xmlns:ma14="http://schemas.microsoft.com/office/mac/drawingml/2011/main" val="1"/>
             </a:ext>
           </a:extLst>
         </p:spPr>
@@ -974,7 +1003,7 @@
             <a:fld id="{A995DA3A-915F-4D4C-A97C-252687C1E639}" type="slidenum">
               <a:rPr lang="en-US"/>
               <a:pPr/>
-              <a:t>‹nr.›</a:t>
+              <a:t>‹#›</a:t>
             </a:fld>
             <a:endParaRPr lang="en-US"/>
           </a:p>
@@ -1159,27 +1188,27 @@
           <a:lstStyle/>
           <a:p>
             <a:r>
-              <a:rPr lang="nl-NL" dirty="0" smtClean="0"/>
+              <a:rPr lang="nl-NL" dirty="0"/>
               <a:t>Vraag: hoe krijg je ook de</a:t>
             </a:r>
             <a:r>
-              <a:rPr lang="nl-NL" baseline="0" dirty="0" smtClean="0"/>
+              <a:rPr lang="nl-NL" baseline="0" dirty="0"/>
               <a:t> ingetypte tekst uit een </a:t>
             </a:r>
             <a:r>
-              <a:rPr lang="nl-NL" baseline="0" dirty="0" err="1" smtClean="0"/>
+              <a:rPr lang="nl-NL" baseline="0" dirty="0" err="1"/>
               <a:t>TextBox</a:t>
             </a:r>
             <a:r>
-              <a:rPr lang="nl-NL" baseline="0" dirty="0" smtClean="0"/>
+              <a:rPr lang="nl-NL" baseline="0" dirty="0"/>
               <a:t>? Antwoord: je moet ene property van die </a:t>
             </a:r>
             <a:r>
-              <a:rPr lang="nl-NL" baseline="0" dirty="0" err="1" smtClean="0"/>
+              <a:rPr lang="nl-NL" baseline="0" dirty="0" err="1"/>
               <a:t>TextBox</a:t>
             </a:r>
             <a:r>
-              <a:rPr lang="nl-NL" baseline="0" dirty="0" smtClean="0"/>
+              <a:rPr lang="nl-NL" baseline="0" dirty="0"/>
               <a:t> daarvoor gebruiken? Vraag 2: welk property?</a:t>
             </a:r>
             <a:endParaRPr lang="nl-NL" dirty="0"/>
@@ -1222,7 +1251,7 @@
           <a:p>
             <a:fld id="{B84C9008-6D53-5049-B516-F0DE16816FD9}" type="datetime1">
               <a:rPr lang="nl-NL" smtClean="0"/>
-              <a:t>24-9-2015</a:t>
+              <a:t>28-12-2019</a:t>
             </a:fld>
             <a:endParaRPr lang="en-US"/>
           </a:p>
@@ -1275,347 +1304,6 @@
     <p:extLst>
       <p:ext uri="{BB962C8B-B14F-4D97-AF65-F5344CB8AC3E}">
         <p14:creationId xmlns:p14="http://schemas.microsoft.com/office/powerpoint/2010/main" val="220313471"/>
-      </p:ext>
-    </p:extLst>
-  </p:cSld>
-  <p:clrMapOvr>
-    <a:masterClrMapping/>
-  </p:clrMapOvr>
-</p:notes>
-</file>
-
-<file path=ppt/notesSlides/notesSlide2.xml><?xml version="1.0" encoding="utf-8"?>
-<p:notes xmlns:a="http://schemas.openxmlformats.org/drawingml/2006/main" xmlns:r="http://schemas.openxmlformats.org/officeDocument/2006/relationships" xmlns:p="http://schemas.openxmlformats.org/presentationml/2006/main">
-  <p:cSld>
-    <p:spTree>
-      <p:nvGrpSpPr>
-        <p:cNvPr id="1" name=""/>
-        <p:cNvGrpSpPr/>
-        <p:nvPr/>
-      </p:nvGrpSpPr>
-      <p:grpSpPr>
-        <a:xfrm>
-          <a:off x="0" y="0"/>
-          <a:ext cx="0" cy="0"/>
-          <a:chOff x="0" y="0"/>
-          <a:chExt cx="0" cy="0"/>
-        </a:xfrm>
-      </p:grpSpPr>
-      <p:sp>
-        <p:nvSpPr>
-          <p:cNvPr id="2" name="Tijdelijke aanduiding voor dia-afbeelding 1"/>
-          <p:cNvSpPr>
-            <a:spLocks noGrp="1" noRot="1" noChangeAspect="1"/>
-          </p:cNvSpPr>
-          <p:nvPr>
-            <p:ph type="sldImg"/>
-          </p:nvPr>
-        </p:nvSpPr>
-        <p:spPr/>
-      </p:sp>
-      <p:sp>
-        <p:nvSpPr>
-          <p:cNvPr id="3" name="Tijdelijke aanduiding voor notities 2"/>
-          <p:cNvSpPr>
-            <a:spLocks noGrp="1"/>
-          </p:cNvSpPr>
-          <p:nvPr>
-            <p:ph type="body" idx="1"/>
-          </p:nvPr>
-        </p:nvSpPr>
-        <p:spPr/>
-        <p:txBody>
-          <a:bodyPr/>
-          <a:lstStyle/>
-          <a:p>
-            <a:pPr marL="0" marR="0" indent="0" algn="l" defTabSz="914400" rtl="0" eaLnBrk="1" fontAlgn="base" latinLnBrk="0" hangingPunct="1">
-              <a:lnSpc>
-                <a:spcPct val="100000"/>
-              </a:lnSpc>
-              <a:spcBef>
-                <a:spcPct val="30000"/>
-              </a:spcBef>
-              <a:spcAft>
-                <a:spcPct val="0"/>
-              </a:spcAft>
-              <a:buClrTx/>
-              <a:buSzTx/>
-              <a:buFontTx/>
-              <a:buNone/>
-              <a:tabLst/>
-              <a:defRPr/>
-            </a:pPr>
-            <a:r>
-              <a:rPr lang="en-US" dirty="0" err="1" smtClean="0"/>
-              <a:t>Probeer</a:t>
-            </a:r>
-            <a:r>
-              <a:rPr lang="en-US" dirty="0" smtClean="0"/>
-              <a:t> </a:t>
-            </a:r>
-            <a:r>
-              <a:rPr lang="en-US" dirty="0" err="1" smtClean="0"/>
-              <a:t>gerust</a:t>
-            </a:r>
-            <a:r>
-              <a:rPr lang="en-US" dirty="0" smtClean="0"/>
-              <a:t> </a:t>
-            </a:r>
-            <a:r>
-              <a:rPr lang="en-US" dirty="0" err="1" smtClean="0"/>
-              <a:t>eens</a:t>
-            </a:r>
-            <a:r>
-              <a:rPr lang="en-US" dirty="0" smtClean="0"/>
-              <a:t> </a:t>
-            </a:r>
-            <a:r>
-              <a:rPr lang="en-US" dirty="0" err="1" smtClean="0"/>
-              <a:t>iets</a:t>
-            </a:r>
-            <a:r>
-              <a:rPr lang="en-US" dirty="0" smtClean="0"/>
-              <a:t> </a:t>
-            </a:r>
-            <a:r>
-              <a:rPr lang="en-US" dirty="0" err="1" smtClean="0"/>
-              <a:t>anders</a:t>
-            </a:r>
-            <a:r>
-              <a:rPr lang="en-US" dirty="0" smtClean="0"/>
-              <a:t> </a:t>
-            </a:r>
-            <a:r>
-              <a:rPr lang="en-US" dirty="0" err="1" smtClean="0"/>
-              <a:t>dan</a:t>
-            </a:r>
-            <a:r>
-              <a:rPr lang="en-US" dirty="0" smtClean="0"/>
-              <a:t> </a:t>
-            </a:r>
-            <a:r>
-              <a:rPr lang="en-US" dirty="0" err="1" smtClean="0"/>
-              <a:t>letterlijk</a:t>
-            </a:r>
-            <a:r>
-              <a:rPr lang="en-US" dirty="0" smtClean="0"/>
-              <a:t> </a:t>
-            </a:r>
-            <a:r>
-              <a:rPr lang="en-US" dirty="0" err="1" smtClean="0"/>
-              <a:t>gevraagd</a:t>
-            </a:r>
-            <a:r>
-              <a:rPr lang="en-US" dirty="0" smtClean="0"/>
-              <a:t> </a:t>
-            </a:r>
-            <a:r>
-              <a:rPr lang="en-US" dirty="0" err="1" smtClean="0"/>
-              <a:t>wordt</a:t>
-            </a:r>
-            <a:r>
-              <a:rPr lang="en-US" dirty="0" smtClean="0"/>
-              <a:t>. </a:t>
-            </a:r>
-            <a:r>
-              <a:rPr lang="en-US" dirty="0" err="1" smtClean="0"/>
-              <a:t>Spelen</a:t>
-            </a:r>
-            <a:r>
-              <a:rPr lang="en-US" dirty="0" smtClean="0"/>
-              <a:t>/</a:t>
-            </a:r>
-            <a:r>
-              <a:rPr lang="en-US" dirty="0" err="1" smtClean="0"/>
-              <a:t>experimenteren</a:t>
-            </a:r>
-            <a:r>
-              <a:rPr lang="en-US" dirty="0" smtClean="0"/>
-              <a:t> </a:t>
-            </a:r>
-            <a:r>
-              <a:rPr lang="en-US" dirty="0" err="1" smtClean="0"/>
-              <a:t>kan</a:t>
-            </a:r>
-            <a:r>
-              <a:rPr lang="en-US" dirty="0" smtClean="0"/>
-              <a:t> </a:t>
-            </a:r>
-            <a:r>
-              <a:rPr lang="en-US" dirty="0" err="1" smtClean="0"/>
-              <a:t>leerzaam</a:t>
-            </a:r>
-            <a:r>
-              <a:rPr lang="en-US" dirty="0" smtClean="0"/>
-              <a:t> </a:t>
-            </a:r>
-            <a:r>
-              <a:rPr lang="en-US" dirty="0" err="1" smtClean="0"/>
-              <a:t>zijn</a:t>
-            </a:r>
-            <a:r>
-              <a:rPr lang="en-US" dirty="0" smtClean="0"/>
-              <a:t> (</a:t>
-            </a:r>
-            <a:r>
-              <a:rPr lang="en-US" dirty="0" err="1" smtClean="0"/>
-              <a:t>zolang</a:t>
-            </a:r>
-            <a:r>
-              <a:rPr lang="en-US" dirty="0" smtClean="0"/>
-              <a:t> je </a:t>
-            </a:r>
-            <a:r>
-              <a:rPr lang="en-US" dirty="0" err="1" smtClean="0"/>
-              <a:t>tenminste</a:t>
-            </a:r>
-            <a:r>
-              <a:rPr lang="en-US" dirty="0" smtClean="0"/>
-              <a:t> </a:t>
-            </a:r>
-            <a:r>
-              <a:rPr lang="en-US" dirty="0" err="1" smtClean="0"/>
-              <a:t>zorgt</a:t>
-            </a:r>
-            <a:r>
-              <a:rPr lang="en-US" dirty="0" smtClean="0"/>
-              <a:t> </a:t>
-            </a:r>
-            <a:r>
-              <a:rPr lang="en-US" dirty="0" err="1" smtClean="0"/>
-              <a:t>dat</a:t>
-            </a:r>
-            <a:r>
-              <a:rPr lang="en-US" dirty="0" smtClean="0"/>
-              <a:t> het nog </a:t>
-            </a:r>
-            <a:r>
-              <a:rPr lang="en-US" dirty="0" err="1" smtClean="0"/>
-              <a:t>wat</a:t>
-            </a:r>
-            <a:r>
-              <a:rPr lang="en-US" dirty="0" smtClean="0"/>
-              <a:t> met </a:t>
-            </a:r>
-            <a:r>
-              <a:rPr lang="en-US" dirty="0" err="1" smtClean="0"/>
-              <a:t>programmeren</a:t>
-            </a:r>
-            <a:r>
-              <a:rPr lang="en-US" dirty="0" smtClean="0"/>
-              <a:t> van </a:t>
-            </a:r>
-            <a:r>
-              <a:rPr lang="en-US" dirty="0" err="1" smtClean="0"/>
-              <a:t>doen</a:t>
-            </a:r>
-            <a:r>
-              <a:rPr lang="en-US" dirty="0" smtClean="0"/>
-              <a:t> </a:t>
-            </a:r>
-            <a:r>
-              <a:rPr lang="en-US" dirty="0" err="1" smtClean="0"/>
-              <a:t>heeft</a:t>
-            </a:r>
-            <a:r>
-              <a:rPr lang="en-US" dirty="0" smtClean="0"/>
-              <a:t>).</a:t>
-            </a:r>
-          </a:p>
-          <a:p>
-            <a:endParaRPr lang="nl-NL" dirty="0"/>
-          </a:p>
-        </p:txBody>
-      </p:sp>
-      <p:sp>
-        <p:nvSpPr>
-          <p:cNvPr id="4" name="Tijdelijke aanduiding voor koptekst 3"/>
-          <p:cNvSpPr>
-            <a:spLocks noGrp="1"/>
-          </p:cNvSpPr>
-          <p:nvPr>
-            <p:ph type="hdr" sz="quarter" idx="10"/>
-          </p:nvPr>
-        </p:nvSpPr>
-        <p:spPr/>
-        <p:txBody>
-          <a:bodyPr/>
-          <a:lstStyle/>
-          <a:p>
-            <a:endParaRPr lang="en-US"/>
-          </a:p>
-        </p:txBody>
-      </p:sp>
-      <p:sp>
-        <p:nvSpPr>
-          <p:cNvPr id="5" name="Tijdelijke aanduiding voor datum 4"/>
-          <p:cNvSpPr>
-            <a:spLocks noGrp="1"/>
-          </p:cNvSpPr>
-          <p:nvPr>
-            <p:ph type="dt" idx="11"/>
-          </p:nvPr>
-        </p:nvSpPr>
-        <p:spPr/>
-        <p:txBody>
-          <a:bodyPr/>
-          <a:lstStyle/>
-          <a:p>
-            <a:fld id="{B84C9008-6D53-5049-B516-F0DE16816FD9}" type="datetime1">
-              <a:rPr lang="nl-NL" smtClean="0"/>
-              <a:t>24-9-2015</a:t>
-            </a:fld>
-            <a:endParaRPr lang="en-US"/>
-          </a:p>
-        </p:txBody>
-      </p:sp>
-      <p:sp>
-        <p:nvSpPr>
-          <p:cNvPr id="6" name="Tijdelijke aanduiding voor voettekst 5"/>
-          <p:cNvSpPr>
-            <a:spLocks noGrp="1"/>
-          </p:cNvSpPr>
-          <p:nvPr>
-            <p:ph type="ftr" sz="quarter" idx="12"/>
-          </p:nvPr>
-        </p:nvSpPr>
-        <p:spPr/>
-        <p:txBody>
-          <a:bodyPr/>
-          <a:lstStyle/>
-          <a:p>
-            <a:endParaRPr lang="en-US"/>
-          </a:p>
-        </p:txBody>
-      </p:sp>
-      <p:sp>
-        <p:nvSpPr>
-          <p:cNvPr id="7" name="Tijdelijke aanduiding voor dianummer 6"/>
-          <p:cNvSpPr>
-            <a:spLocks noGrp="1"/>
-          </p:cNvSpPr>
-          <p:nvPr>
-            <p:ph type="sldNum" sz="quarter" idx="13"/>
-          </p:nvPr>
-        </p:nvSpPr>
-        <p:spPr/>
-        <p:txBody>
-          <a:bodyPr/>
-          <a:lstStyle/>
-          <a:p>
-            <a:fld id="{A995DA3A-915F-4D4C-A97C-252687C1E639}" type="slidenum">
-              <a:rPr lang="en-US" smtClean="0"/>
-              <a:pPr/>
-              <a:t>11</a:t>
-            </a:fld>
-            <a:endParaRPr lang="en-US"/>
-          </a:p>
-        </p:txBody>
-      </p:sp>
-    </p:spTree>
-    <p:extLst>
-      <p:ext uri="{BB962C8B-B14F-4D97-AF65-F5344CB8AC3E}">
-        <p14:creationId xmlns:p14="http://schemas.microsoft.com/office/powerpoint/2010/main" val="3166642339"/>
       </p:ext>
     </p:extLst>
   </p:cSld>
@@ -1701,15 +1389,15 @@
           </a:lstStyle>
           <a:p>
             <a:r>
-              <a:rPr lang="en-US" dirty="0" err="1" smtClean="0"/>
+              <a:rPr lang="en-US" dirty="0" err="1"/>
               <a:t>Titelstijl</a:t>
             </a:r>
             <a:r>
-              <a:rPr lang="en-US" dirty="0" smtClean="0"/>
+              <a:rPr lang="en-US" dirty="0"/>
               <a:t> van model </a:t>
             </a:r>
             <a:r>
-              <a:rPr lang="en-US" dirty="0" err="1" smtClean="0"/>
+              <a:rPr lang="en-US" dirty="0" err="1"/>
               <a:t>bewerken</a:t>
             </a:r>
             <a:endParaRPr lang="nl-NL" dirty="0"/>
@@ -1763,35 +1451,35 @@
           <a:p>
             <a:pPr lvl="0"/>
             <a:r>
-              <a:rPr lang="en-US" smtClean="0"/>
+              <a:rPr lang="en-US"/>
               <a:t>Klik om de tekststijl van het model te bewerken</a:t>
             </a:r>
           </a:p>
           <a:p>
             <a:pPr lvl="1"/>
             <a:r>
-              <a:rPr lang="en-US" smtClean="0"/>
+              <a:rPr lang="en-US"/>
               <a:t>Tweede niveau</a:t>
             </a:r>
           </a:p>
           <a:p>
             <a:pPr lvl="2"/>
             <a:r>
-              <a:rPr lang="en-US" smtClean="0"/>
+              <a:rPr lang="en-US"/>
               <a:t>Derde niveau</a:t>
             </a:r>
           </a:p>
           <a:p>
             <a:pPr lvl="3"/>
             <a:r>
-              <a:rPr lang="en-US" smtClean="0"/>
+              <a:rPr lang="en-US"/>
               <a:t>Vierde niveau</a:t>
             </a:r>
           </a:p>
           <a:p>
             <a:pPr lvl="4"/>
             <a:r>
-              <a:rPr lang="en-US" smtClean="0"/>
+              <a:rPr lang="en-US"/>
               <a:t>Vijfde niveau</a:t>
             </a:r>
             <a:endParaRPr lang="nl-NL"/>
@@ -1901,35 +1589,35 @@
           <a:p>
             <a:pPr lvl="0"/>
             <a:r>
-              <a:rPr lang="en-US" smtClean="0"/>
+              <a:rPr lang="en-US"/>
               <a:t>Klik om de tekststijl van het model te bewerken</a:t>
             </a:r>
           </a:p>
           <a:p>
             <a:pPr lvl="1"/>
             <a:r>
-              <a:rPr lang="en-US" smtClean="0"/>
+              <a:rPr lang="en-US"/>
               <a:t>Tweede niveau</a:t>
             </a:r>
           </a:p>
           <a:p>
             <a:pPr lvl="2"/>
             <a:r>
-              <a:rPr lang="en-US" smtClean="0"/>
+              <a:rPr lang="en-US"/>
               <a:t>Derde niveau</a:t>
             </a:r>
           </a:p>
           <a:p>
             <a:pPr lvl="3"/>
             <a:r>
-              <a:rPr lang="en-US" smtClean="0"/>
+              <a:rPr lang="en-US"/>
               <a:t>Vierde niveau</a:t>
             </a:r>
           </a:p>
           <a:p>
             <a:pPr lvl="4"/>
             <a:r>
-              <a:rPr lang="en-US" smtClean="0"/>
+              <a:rPr lang="en-US"/>
               <a:t>Vijfde niveau</a:t>
             </a:r>
             <a:endParaRPr lang="nl-NL"/>
@@ -1940,212 +1628,6 @@
     <p:extLst>
       <p:ext uri="{BB962C8B-B14F-4D97-AF65-F5344CB8AC3E}">
         <p14:creationId xmlns:p14="http://schemas.microsoft.com/office/powerpoint/2010/main" val="56732418"/>
-      </p:ext>
-    </p:extLst>
-  </p:cSld>
-  <p:clrMapOvr>
-    <a:masterClrMapping/>
-  </p:clrMapOvr>
-</p:sldLayout>
-</file>
-
-<file path=ppt/slideLayouts/slideLayout4.xml><?xml version="1.0" encoding="utf-8"?>
-<p:sldLayout xmlns:a="http://schemas.openxmlformats.org/drawingml/2006/main" xmlns:r="http://schemas.openxmlformats.org/officeDocument/2006/relationships" xmlns:p="http://schemas.openxmlformats.org/presentationml/2006/main" type="obj">
-  <p:cSld name="Title and Content">
-    <p:spTree>
-      <p:nvGrpSpPr>
-        <p:cNvPr id="1" name=""/>
-        <p:cNvGrpSpPr/>
-        <p:nvPr/>
-      </p:nvGrpSpPr>
-      <p:grpSpPr>
-        <a:xfrm>
-          <a:off x="0" y="0"/>
-          <a:ext cx="0" cy="0"/>
-          <a:chOff x="0" y="0"/>
-          <a:chExt cx="0" cy="0"/>
-        </a:xfrm>
-      </p:grpSpPr>
-      <p:sp>
-        <p:nvSpPr>
-          <p:cNvPr id="3" name="Content Placeholder 2"/>
-          <p:cNvSpPr>
-            <a:spLocks noGrp="1"/>
-          </p:cNvSpPr>
-          <p:nvPr>
-            <p:ph idx="1"/>
-          </p:nvPr>
-        </p:nvSpPr>
-        <p:spPr/>
-        <p:txBody>
-          <a:bodyPr/>
-          <a:lstStyle>
-            <a:extLst/>
-          </a:lstStyle>
-          <a:p>
-            <a:pPr lvl="0" eaLnBrk="1" latinLnBrk="0" hangingPunct="1"/>
-            <a:r>
-              <a:rPr lang="en-US" smtClean="0"/>
-              <a:t>Click to edit Master text styles</a:t>
-            </a:r>
-          </a:p>
-          <a:p>
-            <a:pPr lvl="1" eaLnBrk="1" latinLnBrk="0" hangingPunct="1"/>
-            <a:r>
-              <a:rPr lang="en-US" smtClean="0"/>
-              <a:t>Second level</a:t>
-            </a:r>
-          </a:p>
-          <a:p>
-            <a:pPr lvl="2" eaLnBrk="1" latinLnBrk="0" hangingPunct="1"/>
-            <a:r>
-              <a:rPr lang="en-US" smtClean="0"/>
-              <a:t>Third level</a:t>
-            </a:r>
-          </a:p>
-          <a:p>
-            <a:pPr lvl="3" eaLnBrk="1" latinLnBrk="0" hangingPunct="1"/>
-            <a:r>
-              <a:rPr lang="en-US" smtClean="0"/>
-              <a:t>Fourth level</a:t>
-            </a:r>
-          </a:p>
-          <a:p>
-            <a:pPr lvl="4" eaLnBrk="1" latinLnBrk="0" hangingPunct="1"/>
-            <a:r>
-              <a:rPr lang="en-US" smtClean="0"/>
-              <a:t>Fifth level</a:t>
-            </a:r>
-            <a:endParaRPr kumimoji="0" lang="en-US"/>
-          </a:p>
-        </p:txBody>
-      </p:sp>
-      <p:sp>
-        <p:nvSpPr>
-          <p:cNvPr id="4" name="Date Placeholder 3"/>
-          <p:cNvSpPr>
-            <a:spLocks noGrp="1"/>
-          </p:cNvSpPr>
-          <p:nvPr>
-            <p:ph type="dt" sz="half" idx="10"/>
-          </p:nvPr>
-        </p:nvSpPr>
-        <p:spPr>
-          <a:xfrm>
-            <a:off x="6727032" y="6407944"/>
-            <a:ext cx="1920240" cy="365760"/>
-          </a:xfrm>
-          <a:prstGeom prst="rect">
-            <a:avLst/>
-          </a:prstGeom>
-        </p:spPr>
-        <p:txBody>
-          <a:bodyPr/>
-          <a:lstStyle>
-            <a:extLst/>
-          </a:lstStyle>
-          <a:p>
-            <a:fld id="{1D8BD707-D9CF-40AE-B4C6-C98DA3205C09}" type="datetimeFigureOut">
-              <a:rPr lang="en-US" smtClean="0"/>
-              <a:pPr/>
-              <a:t>9/24/2015</a:t>
-            </a:fld>
-            <a:endParaRPr lang="en-US"/>
-          </a:p>
-        </p:txBody>
-      </p:sp>
-      <p:sp>
-        <p:nvSpPr>
-          <p:cNvPr id="5" name="Footer Placeholder 4"/>
-          <p:cNvSpPr>
-            <a:spLocks noGrp="1"/>
-          </p:cNvSpPr>
-          <p:nvPr>
-            <p:ph type="ftr" sz="quarter" idx="11"/>
-          </p:nvPr>
-        </p:nvSpPr>
-        <p:spPr>
-          <a:xfrm>
-            <a:off x="4380072" y="6407944"/>
-            <a:ext cx="2350681" cy="365125"/>
-          </a:xfrm>
-          <a:prstGeom prst="rect">
-            <a:avLst/>
-          </a:prstGeom>
-        </p:spPr>
-        <p:txBody>
-          <a:bodyPr/>
-          <a:lstStyle>
-            <a:extLst/>
-          </a:lstStyle>
-          <a:p>
-            <a:endParaRPr lang="en-US"/>
-          </a:p>
-        </p:txBody>
-      </p:sp>
-      <p:sp>
-        <p:nvSpPr>
-          <p:cNvPr id="6" name="Slide Number Placeholder 5"/>
-          <p:cNvSpPr>
-            <a:spLocks noGrp="1"/>
-          </p:cNvSpPr>
-          <p:nvPr>
-            <p:ph type="sldNum" sz="quarter" idx="12"/>
-          </p:nvPr>
-        </p:nvSpPr>
-        <p:spPr>
-          <a:xfrm>
-            <a:off x="8647272" y="6407944"/>
-            <a:ext cx="365760" cy="365125"/>
-          </a:xfrm>
-          <a:prstGeom prst="rect">
-            <a:avLst/>
-          </a:prstGeom>
-        </p:spPr>
-        <p:txBody>
-          <a:bodyPr/>
-          <a:lstStyle>
-            <a:extLst/>
-          </a:lstStyle>
-          <a:p>
-            <a:fld id="{B6F15528-21DE-4FAA-801E-634DDDAF4B2B}" type="slidenum">
-              <a:rPr lang="en-US" smtClean="0"/>
-              <a:pPr/>
-              <a:t>‹nr.›</a:t>
-            </a:fld>
-            <a:endParaRPr lang="en-US"/>
-          </a:p>
-        </p:txBody>
-      </p:sp>
-      <p:sp>
-        <p:nvSpPr>
-          <p:cNvPr id="7" name="Title 6"/>
-          <p:cNvSpPr>
-            <a:spLocks noGrp="1"/>
-          </p:cNvSpPr>
-          <p:nvPr>
-            <p:ph type="title"/>
-          </p:nvPr>
-        </p:nvSpPr>
-        <p:spPr/>
-        <p:txBody>
-          <a:bodyPr rtlCol="0"/>
-          <a:lstStyle>
-            <a:extLst/>
-          </a:lstStyle>
-          <a:p>
-            <a:r>
-              <a:rPr kumimoji="0" lang="en-US" smtClean="0"/>
-              <a:t>Click to edit Master title style</a:t>
-            </a:r>
-            <a:endParaRPr kumimoji="0" lang="en-US"/>
-          </a:p>
-        </p:txBody>
-      </p:sp>
-    </p:spTree>
-    <p:extLst>
-      <p:ext uri="{BB962C8B-B14F-4D97-AF65-F5344CB8AC3E}">
-        <p14:creationId xmlns:p14="http://schemas.microsoft.com/office/powerpoint/2010/main" val="766299568"/>
       </p:ext>
     </p:extLst>
   </p:cSld>
@@ -2233,7 +1715,7 @@
               </a14:hiddenEffects>
             </a:ext>
             <a:ext uri="{FAA26D3D-D897-4be2-8F04-BA451C77F1D7}">
-              <ma14:placeholderFlag xmlns:ma14="http://schemas.microsoft.com/office/mac/drawingml/2011/main" xmlns="" val="1"/>
+              <ma14:placeholderFlag xmlns="" xmlns:ma14="http://schemas.microsoft.com/office/mac/drawingml/2011/main" val="1"/>
             </a:ext>
           </a:extLst>
         </p:spPr>
@@ -2271,7 +1753,7 @@
           <p:nvPr userDrawn="1"/>
         </p:nvPicPr>
         <p:blipFill rotWithShape="1">
-          <a:blip r:embed="rId6">
+          <a:blip r:embed="rId5">
             <a:extLst>
               <a:ext uri="{28A0092B-C50C-407E-A947-70E740481C1C}">
                 <a14:useLocalDpi xmlns:a14="http://schemas.microsoft.com/office/drawing/2010/main" val="0"/>
@@ -2344,7 +1826,7 @@
               </a14:hiddenEffects>
             </a:ext>
             <a:ext uri="{FAA26D3D-D897-4be2-8F04-BA451C77F1D7}">
-              <ma14:placeholderFlag xmlns:ma14="http://schemas.microsoft.com/office/mac/drawingml/2011/main" xmlns="" val="1"/>
+              <ma14:placeholderFlag xmlns="" xmlns:ma14="http://schemas.microsoft.com/office/mac/drawingml/2011/main" val="1"/>
             </a:ext>
           </a:extLst>
         </p:spPr>
@@ -2468,15 +1950,7 @@
     <p:sldLayoutId id="2147483655" r:id="rId1"/>
     <p:sldLayoutId id="2147483651" r:id="rId2"/>
     <p:sldLayoutId id="2147483653" r:id="rId3"/>
-    <p:sldLayoutId id="2147483656" r:id="rId4"/>
   </p:sldLayoutIdLst>
-  <p:timing>
-    <p:tnLst>
-      <p:par>
-        <p:cTn id="1" dur="indefinite" restart="never" nodeType="tmRoot"/>
-      </p:par>
-    </p:tnLst>
-  </p:timing>
   <p:hf hdr="0" dt="0"/>
   <p:txStyles>
     <p:titleStyle>
@@ -2900,7 +2374,7 @@
           <a:lstStyle/>
           <a:p>
             <a:r>
-              <a:rPr lang="nl-NL" dirty="0" smtClean="0">
+              <a:rPr lang="nl-NL" dirty="0">
                 <a:solidFill>
                   <a:schemeClr val="bg1">
                     <a:lumMod val="50000"/>
@@ -2910,7 +2384,7 @@
               <a:t>Oriëntatie ICT en Software Engineering</a:t>
             </a:r>
             <a:br>
-              <a:rPr lang="nl-NL" dirty="0" smtClean="0">
+              <a:rPr lang="nl-NL" dirty="0">
                 <a:solidFill>
                   <a:schemeClr val="bg1">
                     <a:lumMod val="50000"/>
@@ -2919,38 +2393,18 @@
               </a:rPr>
             </a:br>
             <a:r>
-              <a:rPr lang="nl-NL" dirty="0" smtClean="0"/>
-              <a:t>Variabelen</a:t>
-            </a:r>
-            <a:r>
               <a:rPr lang="nl-NL" dirty="0"/>
-              <a:t>, bewerkingen, </a:t>
-            </a:r>
-            <a:r>
-              <a:rPr lang="nl-NL" dirty="0" smtClean="0"/>
-              <a:t>conversies</a:t>
-            </a:r>
-            <a:br>
-              <a:rPr lang="nl-NL" dirty="0" smtClean="0"/>
-            </a:br>
-            <a:r>
-              <a:rPr lang="nl-NL" dirty="0"/>
-              <a:t/>
+              <a:t>Variabelen, bewerkingen, conversies</a:t>
             </a:r>
             <a:br>
               <a:rPr lang="nl-NL" dirty="0"/>
             </a:br>
-            <a:r>
-              <a:rPr lang="nl-NL" dirty="0" smtClean="0"/>
-              <a:t/>
-            </a:r>
             <a:br>
-              <a:rPr lang="nl-NL" dirty="0" smtClean="0"/>
+              <a:rPr lang="nl-NL" dirty="0"/>
             </a:br>
-            <a:r>
+            <a:br>
               <a:rPr lang="nl-NL" dirty="0"/>
-              <a:t/>
-            </a:r>
+            </a:br>
             <a:br>
               <a:rPr lang="nl-NL" dirty="0"/>
             </a:br>
@@ -2968,13 +2422,6 @@
   <p:clrMapOvr>
     <a:masterClrMapping/>
   </p:clrMapOvr>
-  <p:timing>
-    <p:tnLst>
-      <p:par>
-        <p:cTn id="1" dur="indefinite" restart="never" nodeType="tmRoot"/>
-      </p:par>
-    </p:tnLst>
-  </p:timing>
 </p:sld>
 </file>
 
@@ -3010,15 +2457,6 @@
           <a:bodyPr/>
           <a:lstStyle/>
           <a:p>
-            <a:pPr>
-              <a:buNone/>
-            </a:pPr>
-            <a:r>
-              <a:rPr lang="en-US" dirty="0"/>
-              <a:t>Focus:</a:t>
-            </a:r>
-          </a:p>
-          <a:p>
             <a:r>
               <a:rPr lang="en-US" dirty="0" err="1"/>
               <a:t>Getal</a:t>
@@ -3158,10 +2596,9 @@
           <a:lstStyle/>
           <a:p>
             <a:r>
-              <a:rPr lang="nl-NL" dirty="0" smtClean="0"/>
-              <a:t>Demo</a:t>
-            </a:r>
-            <a:endParaRPr lang="nl-NL" dirty="0"/>
+              <a:rPr lang="nl-NL" dirty="0"/>
+              <a:t>Probeer het volgende zelf: </a:t>
+            </a:r>
           </a:p>
         </p:txBody>
       </p:sp>
@@ -3175,111 +2612,6 @@
   <p:clrMapOvr>
     <a:masterClrMapping/>
   </p:clrMapOvr>
-  <p:timing>
-    <p:tnLst>
-      <p:par>
-        <p:cTn id="1" dur="indefinite" restart="never" nodeType="tmRoot"/>
-      </p:par>
-    </p:tnLst>
-  </p:timing>
-</p:sld>
-</file>
-
-<file path=ppt/slides/slide11.xml><?xml version="1.0" encoding="utf-8"?>
-<p:sld xmlns:a="http://schemas.openxmlformats.org/drawingml/2006/main" xmlns:r="http://schemas.openxmlformats.org/officeDocument/2006/relationships" xmlns:p="http://schemas.openxmlformats.org/presentationml/2006/main">
-  <p:cSld>
-    <p:spTree>
-      <p:nvGrpSpPr>
-        <p:cNvPr id="1" name=""/>
-        <p:cNvGrpSpPr/>
-        <p:nvPr/>
-      </p:nvGrpSpPr>
-      <p:grpSpPr>
-        <a:xfrm>
-          <a:off x="0" y="0"/>
-          <a:ext cx="0" cy="0"/>
-          <a:chOff x="0" y="0"/>
-          <a:chExt cx="0" cy="0"/>
-        </a:xfrm>
-      </p:grpSpPr>
-      <p:sp>
-        <p:nvSpPr>
-          <p:cNvPr id="2" name="Tijdelijke aanduiding voor inhoud 1"/>
-          <p:cNvSpPr>
-            <a:spLocks noGrp="1"/>
-          </p:cNvSpPr>
-          <p:nvPr>
-            <p:ph idx="1"/>
-          </p:nvPr>
-        </p:nvSpPr>
-        <p:spPr/>
-        <p:txBody>
-          <a:bodyPr/>
-          <a:lstStyle/>
-          <a:p>
-            <a:pPr marL="514350" indent="-514350">
-              <a:buFont typeface="+mj-lt"/>
-              <a:buAutoNum type="arabicPeriod"/>
-            </a:pPr>
-            <a:r>
-              <a:rPr lang="nl-NL" smtClean="0"/>
-              <a:t>Euro-dollar-converter</a:t>
-            </a:r>
-            <a:endParaRPr lang="nl-NL" dirty="0" smtClean="0"/>
-          </a:p>
-          <a:p>
-            <a:pPr marL="514350" indent="-514350">
-              <a:buFont typeface="+mj-lt"/>
-              <a:buAutoNum type="arabicPeriod"/>
-            </a:pPr>
-            <a:r>
-              <a:rPr lang="nl-NL" smtClean="0"/>
-              <a:t>Calculator</a:t>
-            </a:r>
-            <a:endParaRPr lang="nl-NL" dirty="0" smtClean="0"/>
-          </a:p>
-        </p:txBody>
-      </p:sp>
-      <p:sp>
-        <p:nvSpPr>
-          <p:cNvPr id="5" name="Titel 4"/>
-          <p:cNvSpPr>
-            <a:spLocks noGrp="1"/>
-          </p:cNvSpPr>
-          <p:nvPr>
-            <p:ph type="title"/>
-          </p:nvPr>
-        </p:nvSpPr>
-        <p:spPr/>
-        <p:txBody>
-          <a:bodyPr/>
-          <a:lstStyle/>
-          <a:p>
-            <a:r>
-              <a:rPr lang="nl-NL" dirty="0" smtClean="0"/>
-              <a:t>Opdrachten</a:t>
-            </a:r>
-            <a:endParaRPr lang="nl-NL" dirty="0"/>
-          </a:p>
-        </p:txBody>
-      </p:sp>
-    </p:spTree>
-    <p:extLst>
-      <p:ext uri="{BB962C8B-B14F-4D97-AF65-F5344CB8AC3E}">
-        <p14:creationId xmlns:p14="http://schemas.microsoft.com/office/powerpoint/2010/main" val="855666981"/>
-      </p:ext>
-    </p:extLst>
-  </p:cSld>
-  <p:clrMapOvr>
-    <a:masterClrMapping/>
-  </p:clrMapOvr>
-  <p:timing>
-    <p:tnLst>
-      <p:par>
-        <p:cTn id="1" dur="indefinite" restart="never" nodeType="tmRoot"/>
-      </p:par>
-    </p:tnLst>
-  </p:timing>
 </p:sld>
 </file>
 
@@ -3352,13 +2684,9 @@
             </a:r>
             <a:r>
               <a:rPr lang="en-US"/>
-              <a:t>van </a:t>
-            </a:r>
-            <a:r>
-              <a:rPr lang="en-US" smtClean="0"/>
-              <a:t>variabelen.</a:t>
-            </a:r>
-            <a:endParaRPr lang="en-US" dirty="0" smtClean="0"/>
+              <a:t>van variabelen.</a:t>
+            </a:r>
+            <a:endParaRPr lang="en-US" dirty="0"/>
           </a:p>
           <a:p>
             <a:endParaRPr lang="en-US" dirty="0"/>
@@ -3381,10 +2709,9 @@
           <a:lstStyle/>
           <a:p>
             <a:r>
-              <a:rPr lang="nl-NL" dirty="0" smtClean="0"/>
-              <a:t>Vandaag</a:t>
-            </a:r>
-            <a:endParaRPr lang="nl-NL" dirty="0"/>
+              <a:rPr lang="nl-NL" dirty="0"/>
+              <a:t>In deze slides</a:t>
+            </a:r>
           </a:p>
         </p:txBody>
       </p:sp>
@@ -3599,20 +2926,15 @@
             </a:r>
             <a:r>
               <a:rPr lang="en-US" dirty="0"/>
-              <a:t> string</a:t>
-            </a:r>
-            <a:r>
-              <a:rPr lang="en-US" dirty="0" smtClean="0"/>
-              <a:t>:</a:t>
-            </a:r>
-            <a:endParaRPr lang="en-US" dirty="0"/>
+              <a:t> string:</a:t>
+            </a:r>
           </a:p>
           <a:p>
             <a:pPr marL="109728" indent="0">
               <a:buNone/>
             </a:pPr>
             <a:r>
-              <a:rPr lang="en-US" dirty="0" smtClean="0"/>
+              <a:rPr lang="en-US" dirty="0"/>
               <a:t>	</a:t>
             </a:r>
             <a:r>
@@ -3665,11 +2987,11 @@
           </a:p>
           <a:p>
             <a:r>
-              <a:rPr lang="en-US" dirty="0" err="1" smtClean="0"/>
+              <a:rPr lang="en-US" dirty="0" err="1"/>
               <a:t>Tekst</a:t>
             </a:r>
             <a:r>
-              <a:rPr lang="en-US" dirty="0" smtClean="0"/>
+              <a:rPr lang="en-US" dirty="0"/>
               <a:t> </a:t>
             </a:r>
             <a:r>
@@ -3697,41 +3019,36 @@
               <a:t> </a:t>
             </a:r>
             <a:r>
-              <a:rPr lang="en-US" dirty="0" err="1" smtClean="0"/>
+              <a:rPr lang="en-US" dirty="0" err="1"/>
               <a:t>TextBox</a:t>
             </a:r>
             <a:r>
-              <a:rPr lang="en-US" dirty="0" smtClean="0"/>
+              <a:rPr lang="en-US" dirty="0"/>
+              <a:t> (met </a:t>
+            </a:r>
+            <a:r>
+              <a:rPr lang="en-US" dirty="0" err="1"/>
+              <a:t>naam</a:t>
+            </a:r>
+            <a:r>
+              <a:rPr lang="en-US" dirty="0"/>
               <a:t> </a:t>
             </a:r>
             <a:r>
-              <a:rPr lang="en-US" dirty="0"/>
-              <a:t>(met </a:t>
-            </a:r>
-            <a:r>
-              <a:rPr lang="en-US" dirty="0" err="1"/>
-              <a:t>naam</a:t>
-            </a:r>
-            <a:r>
-              <a:rPr lang="en-US" dirty="0"/>
-              <a:t> </a:t>
-            </a:r>
-            <a:r>
               <a:rPr lang="en-US" dirty="0" err="1"/>
               <a:t>tbInvoer</a:t>
             </a:r>
             <a:r>
-              <a:rPr lang="en-US" dirty="0" smtClean="0"/>
+              <a:rPr lang="en-US" dirty="0"/>
               <a:t>):</a:t>
             </a:r>
-            <a:endParaRPr lang="en-US" dirty="0"/>
           </a:p>
           <a:p>
             <a:pPr marL="109728" indent="0">
               <a:buNone/>
             </a:pPr>
             <a:r>
-              <a:rPr lang="en-US" dirty="0" smtClean="0"/>
+              <a:rPr lang="en-US" dirty="0"/>
               <a:t>	</a:t>
             </a:r>
             <a:r>
@@ -3817,10 +3134,9 @@
           <a:lstStyle/>
           <a:p>
             <a:r>
-              <a:rPr lang="nl-NL" dirty="0" smtClean="0"/>
+              <a:rPr lang="nl-NL" dirty="0"/>
               <a:t>Tekst</a:t>
             </a:r>
-            <a:endParaRPr lang="nl-NL" dirty="0"/>
           </a:p>
         </p:txBody>
       </p:sp>
@@ -4154,19 +3470,15 @@
               <a:t> </a:t>
             </a:r>
             <a:r>
-              <a:rPr lang="en-US" dirty="0" err="1" smtClean="0"/>
+              <a:rPr lang="en-US" dirty="0" err="1"/>
               <a:t>getallen</a:t>
             </a:r>
-            <a:endParaRPr lang="en-US" dirty="0" smtClean="0"/>
-          </a:p>
-          <a:p>
-            <a:r>
-              <a:rPr lang="en-US" dirty="0" smtClean="0"/>
-              <a:t>double </a:t>
-            </a:r>
-            <a:r>
-              <a:rPr lang="en-US" dirty="0"/>
-              <a:t>-&gt; </a:t>
+            <a:endParaRPr lang="en-US" dirty="0"/>
+          </a:p>
+          <a:p>
+            <a:r>
+              <a:rPr lang="en-US" dirty="0"/>
+              <a:t>double -&gt; </a:t>
             </a:r>
             <a:r>
               <a:rPr lang="en-US" dirty="0" err="1"/>
@@ -4185,22 +3497,14 @@
               <a:t> met </a:t>
             </a:r>
             <a:r>
-              <a:rPr lang="en-US" dirty="0" err="1" smtClean="0"/>
+              <a:rPr lang="en-US" dirty="0" err="1"/>
               <a:t>decimalen</a:t>
             </a:r>
-            <a:r>
-              <a:rPr lang="en-US" dirty="0" smtClean="0"/>
-              <a:t/>
-            </a:r>
             <a:br>
-              <a:rPr lang="en-US" dirty="0" smtClean="0"/>
+              <a:rPr lang="en-US" dirty="0"/>
             </a:br>
-            <a:r>
-              <a:rPr lang="en-US" dirty="0" smtClean="0"/>
-              <a:t/>
-            </a:r>
             <a:br>
-              <a:rPr lang="en-US" dirty="0" smtClean="0"/>
+              <a:rPr lang="en-US" dirty="0"/>
             </a:br>
             <a:r>
               <a:rPr lang="en-US" dirty="0" err="1">
@@ -4236,32 +3540,25 @@
               <a:buNone/>
             </a:pPr>
             <a:r>
-              <a:rPr lang="en-US" dirty="0" smtClean="0">
+              <a:rPr lang="en-US" dirty="0">
                 <a:latin typeface="Courier New" panose="02070309020205020404" pitchFamily="49" charset="0"/>
                 <a:cs typeface="Courier New" panose="02070309020205020404" pitchFamily="49" charset="0"/>
               </a:rPr>
               <a:t> </a:t>
             </a:r>
             <a:r>
-              <a:rPr lang="en-US" dirty="0" err="1" smtClean="0">
+              <a:rPr lang="en-US" dirty="0" err="1">
                 <a:latin typeface="Courier New" panose="02070309020205020404" pitchFamily="49" charset="0"/>
                 <a:cs typeface="Courier New" panose="02070309020205020404" pitchFamily="49" charset="0"/>
               </a:rPr>
               <a:t>getal</a:t>
             </a:r>
             <a:r>
-              <a:rPr lang="en-US" dirty="0" smtClean="0">
-                <a:latin typeface="Courier New" panose="02070309020205020404" pitchFamily="49" charset="0"/>
-                <a:cs typeface="Courier New" panose="02070309020205020404" pitchFamily="49" charset="0"/>
-              </a:rPr>
-              <a:t> </a:t>
-            </a:r>
-            <a:r>
               <a:rPr lang="en-US" dirty="0">
                 <a:latin typeface="Courier New" panose="02070309020205020404" pitchFamily="49" charset="0"/>
                 <a:cs typeface="Courier New" panose="02070309020205020404" pitchFamily="49" charset="0"/>
               </a:rPr>
-              <a:t>= 10;</a:t>
+              <a:t> = 10;</a:t>
             </a:r>
           </a:p>
           <a:p>
@@ -4278,7 +3575,7 @@
               <a:buNone/>
             </a:pPr>
             <a:r>
-              <a:rPr lang="en-US" dirty="0" smtClean="0">
+              <a:rPr lang="en-US" dirty="0">
                 <a:latin typeface="Courier New" panose="02070309020205020404" pitchFamily="49" charset="0"/>
                 <a:cs typeface="Courier New" panose="02070309020205020404" pitchFamily="49" charset="0"/>
               </a:rPr>
@@ -4304,46 +3601,25 @@
               <a:buNone/>
             </a:pPr>
             <a:r>
-              <a:rPr lang="en-US" dirty="0" smtClean="0">
+              <a:rPr lang="en-US" dirty="0">
                 <a:latin typeface="Courier New" panose="02070309020205020404" pitchFamily="49" charset="0"/>
                 <a:cs typeface="Courier New" panose="02070309020205020404" pitchFamily="49" charset="0"/>
               </a:rPr>
               <a:t> </a:t>
             </a:r>
             <a:r>
-              <a:rPr lang="en-US" dirty="0" err="1" smtClean="0">
+              <a:rPr lang="en-US" dirty="0" err="1">
                 <a:latin typeface="Courier New" panose="02070309020205020404" pitchFamily="49" charset="0"/>
                 <a:cs typeface="Courier New" panose="02070309020205020404" pitchFamily="49" charset="0"/>
               </a:rPr>
               <a:t>prijs</a:t>
             </a:r>
             <a:r>
-              <a:rPr lang="en-US" dirty="0" smtClean="0">
-                <a:latin typeface="Courier New" panose="02070309020205020404" pitchFamily="49" charset="0"/>
-                <a:cs typeface="Courier New" panose="02070309020205020404" pitchFamily="49" charset="0"/>
-              </a:rPr>
-              <a:t> </a:t>
-            </a:r>
-            <a:r>
               <a:rPr lang="en-US" dirty="0">
                 <a:latin typeface="Courier New" panose="02070309020205020404" pitchFamily="49" charset="0"/>
                 <a:cs typeface="Courier New" panose="02070309020205020404" pitchFamily="49" charset="0"/>
               </a:rPr>
-              <a:t>= </a:t>
-            </a:r>
-            <a:r>
-              <a:rPr lang="en-US" dirty="0" smtClean="0">
-                <a:latin typeface="Courier New" panose="02070309020205020404" pitchFamily="49" charset="0"/>
-                <a:cs typeface="Courier New" panose="02070309020205020404" pitchFamily="49" charset="0"/>
-              </a:rPr>
-              <a:t>2.95</a:t>
-            </a:r>
-            <a:r>
-              <a:rPr lang="en-US" dirty="0">
-                <a:latin typeface="Courier New" panose="02070309020205020404" pitchFamily="49" charset="0"/>
-                <a:cs typeface="Courier New" panose="02070309020205020404" pitchFamily="49" charset="0"/>
-              </a:rPr>
-              <a:t>;</a:t>
+              <a:t> = 2.95;</a:t>
             </a:r>
           </a:p>
           <a:p>
@@ -4370,10 +3646,9 @@
           <a:lstStyle/>
           <a:p>
             <a:r>
-              <a:rPr lang="nl-NL" dirty="0" smtClean="0"/>
+              <a:rPr lang="nl-NL" dirty="0"/>
               <a:t>Getallen	</a:t>
             </a:r>
-            <a:endParaRPr lang="nl-NL" dirty="0"/>
           </a:p>
         </p:txBody>
       </p:sp>
@@ -4387,13 +3662,6 @@
   <p:clrMapOvr>
     <a:masterClrMapping/>
   </p:clrMapOvr>
-  <p:timing>
-    <p:tnLst>
-      <p:par>
-        <p:cTn id="1" dur="indefinite" restart="never" nodeType="tmRoot"/>
-      </p:par>
-    </p:tnLst>
-  </p:timing>
 </p:sld>
 </file>
 
@@ -4443,11 +3711,11 @@
               <a:t> </a:t>
             </a:r>
             <a:r>
-              <a:rPr lang="en-US" dirty="0" err="1" smtClean="0"/>
+              <a:rPr lang="en-US" dirty="0" err="1"/>
               <a:t>TextBox</a:t>
             </a:r>
             <a:r>
-              <a:rPr lang="en-US" dirty="0" smtClean="0"/>
+              <a:rPr lang="en-US" dirty="0"/>
               <a:t> </a:t>
             </a:r>
             <a:r>
@@ -4512,30 +3780,41 @@
             </a:r>
             <a:r>
               <a:rPr lang="en-US" dirty="0"/>
+              <a:t> in </a:t>
+            </a:r>
+            <a:r>
+              <a:rPr lang="en-US" dirty="0" err="1"/>
+              <a:t>typt</a:t>
+            </a:r>
+            <a:r>
+              <a:rPr lang="en-US" dirty="0"/>
+              <a:t>.</a:t>
+            </a:r>
+          </a:p>
+          <a:p>
+            <a:r>
+              <a:rPr lang="en-US" dirty="0"/>
+              <a:t>Om </a:t>
+            </a:r>
+            <a:r>
+              <a:rPr lang="en-US" dirty="0" err="1"/>
+              <a:t>te</a:t>
+            </a:r>
+            <a:r>
+              <a:rPr lang="en-US" dirty="0"/>
               <a:t> </a:t>
             </a:r>
             <a:r>
-              <a:rPr lang="en-US" dirty="0" smtClean="0"/>
-              <a:t>in </a:t>
-            </a:r>
-            <a:r>
-              <a:rPr lang="en-US" dirty="0" err="1" smtClean="0"/>
-              <a:t>typt</a:t>
-            </a:r>
-            <a:r>
-              <a:rPr lang="en-US" dirty="0" smtClean="0"/>
-              <a:t>.</a:t>
-            </a:r>
-            <a:endParaRPr lang="en-US" dirty="0"/>
-          </a:p>
-          <a:p>
-            <a:r>
-              <a:rPr lang="en-US" dirty="0"/>
-              <a:t>Om </a:t>
-            </a:r>
-            <a:r>
-              <a:rPr lang="en-US" dirty="0" err="1"/>
-              <a:t>te</a:t>
+              <a:rPr lang="en-US" dirty="0" err="1"/>
+              <a:t>rekenen</a:t>
+            </a:r>
+            <a:r>
+              <a:rPr lang="en-US" dirty="0"/>
+              <a:t> met het </a:t>
+            </a:r>
+            <a:r>
+              <a:rPr lang="en-US" dirty="0" err="1"/>
+              <a:t>ingevoerde</a:t>
             </a:r>
             <a:r>
               <a:rPr lang="en-US" dirty="0"/>
@@ -4543,15 +3822,15 @@
             </a:r>
             <a:r>
               <a:rPr lang="en-US" dirty="0" err="1"/>
-              <a:t>rekenen</a:t>
-            </a:r>
-            <a:r>
-              <a:rPr lang="en-US" dirty="0"/>
-              <a:t> met het </a:t>
-            </a:r>
-            <a:r>
-              <a:rPr lang="en-US" dirty="0" err="1"/>
-              <a:t>ingevoerde</a:t>
+              <a:t>getal</a:t>
+            </a:r>
+            <a:r>
+              <a:rPr lang="en-US" dirty="0"/>
+              <a:t> in de </a:t>
+            </a:r>
+            <a:r>
+              <a:rPr lang="en-US" dirty="0" err="1"/>
+              <a:t>TextBox</a:t>
             </a:r>
             <a:r>
               <a:rPr lang="en-US" dirty="0"/>
@@ -4559,46 +3838,26 @@
             </a:r>
             <a:r>
               <a:rPr lang="en-US" dirty="0" err="1"/>
-              <a:t>getal</a:t>
-            </a:r>
-            <a:r>
-              <a:rPr lang="en-US" dirty="0"/>
-              <a:t> in de </a:t>
-            </a:r>
-            <a:r>
-              <a:rPr lang="en-US" dirty="0" err="1"/>
-              <a:t>TextBox</a:t>
+              <a:t>moet</a:t>
+            </a:r>
+            <a:r>
+              <a:rPr lang="en-US" dirty="0"/>
+              <a:t> je </a:t>
+            </a:r>
+            <a:r>
+              <a:rPr lang="en-US" dirty="0" err="1"/>
+              <a:t>dus</a:t>
             </a:r>
             <a:r>
               <a:rPr lang="en-US" dirty="0"/>
               <a:t> </a:t>
             </a:r>
             <a:r>
-              <a:rPr lang="en-US" dirty="0" err="1" smtClean="0"/>
-              <a:t>moet</a:t>
-            </a:r>
-            <a:r>
-              <a:rPr lang="en-US" dirty="0" smtClean="0"/>
-              <a:t> </a:t>
-            </a:r>
-            <a:r>
-              <a:rPr lang="en-US" dirty="0"/>
-              <a:t>je </a:t>
-            </a:r>
-            <a:r>
-              <a:rPr lang="en-US" dirty="0" err="1"/>
-              <a:t>dus</a:t>
-            </a:r>
-            <a:r>
-              <a:rPr lang="en-US" dirty="0"/>
-              <a:t> </a:t>
-            </a:r>
-            <a:r>
-              <a:rPr lang="en-US" dirty="0" err="1" smtClean="0"/>
+              <a:rPr lang="en-US" dirty="0" err="1"/>
               <a:t>converteren</a:t>
             </a:r>
             <a:r>
-              <a:rPr lang="en-US" dirty="0" smtClean="0"/>
+              <a:rPr lang="en-US" dirty="0"/>
               <a:t>!</a:t>
             </a:r>
           </a:p>
@@ -4606,42 +3865,35 @@
             <a:pPr marL="109728" indent="0">
               <a:buNone/>
             </a:pPr>
-            <a:r>
-              <a:rPr lang="en-US" sz="2400" dirty="0" smtClean="0">
-                <a:latin typeface="Courier New" panose="02070309020205020404" pitchFamily="49" charset="0"/>
-                <a:cs typeface="Courier New" panose="02070309020205020404" pitchFamily="49" charset="0"/>
-              </a:rPr>
-              <a:t/>
-            </a:r>
             <a:br>
-              <a:rPr lang="en-US" sz="2400" dirty="0" smtClean="0">
+              <a:rPr lang="en-US" sz="2400" dirty="0">
                 <a:latin typeface="Courier New" panose="02070309020205020404" pitchFamily="49" charset="0"/>
                 <a:cs typeface="Courier New" panose="02070309020205020404" pitchFamily="49" charset="0"/>
               </a:rPr>
             </a:br>
             <a:r>
-              <a:rPr lang="en-US" sz="2400" dirty="0" err="1" smtClean="0">
+              <a:rPr lang="en-US" sz="2400" dirty="0" err="1">
                 <a:latin typeface="Courier New" panose="02070309020205020404" pitchFamily="49" charset="0"/>
                 <a:cs typeface="Courier New" panose="02070309020205020404" pitchFamily="49" charset="0"/>
               </a:rPr>
               <a:t>int</a:t>
             </a:r>
             <a:r>
-              <a:rPr lang="en-US" sz="2400" dirty="0" smtClean="0">
+              <a:rPr lang="en-US" sz="2400" dirty="0">
                 <a:latin typeface="Courier New" panose="02070309020205020404" pitchFamily="49" charset="0"/>
                 <a:cs typeface="Courier New" panose="02070309020205020404" pitchFamily="49" charset="0"/>
               </a:rPr>
               <a:t> </a:t>
             </a:r>
             <a:r>
-              <a:rPr lang="en-US" sz="2400" dirty="0" err="1" smtClean="0">
+              <a:rPr lang="en-US" sz="2400" dirty="0" err="1">
                 <a:latin typeface="Courier New" panose="02070309020205020404" pitchFamily="49" charset="0"/>
                 <a:cs typeface="Courier New" panose="02070309020205020404" pitchFamily="49" charset="0"/>
               </a:rPr>
               <a:t>ingevoerd</a:t>
             </a:r>
             <a:r>
-              <a:rPr lang="en-US" sz="2400" dirty="0" smtClean="0">
+              <a:rPr lang="en-US" sz="2400" dirty="0">
                 <a:latin typeface="Courier New" panose="02070309020205020404" pitchFamily="49" charset="0"/>
                 <a:cs typeface="Courier New" panose="02070309020205020404" pitchFamily="49" charset="0"/>
               </a:rPr>
@@ -4653,21 +3905,21 @@
               <a:buNone/>
             </a:pPr>
             <a:r>
-              <a:rPr lang="en-US" sz="2400" dirty="0" err="1" smtClean="0">
+              <a:rPr lang="en-US" sz="2400" dirty="0" err="1">
                 <a:latin typeface="Courier New" panose="02070309020205020404" pitchFamily="49" charset="0"/>
                 <a:cs typeface="Courier New" panose="02070309020205020404" pitchFamily="49" charset="0"/>
               </a:rPr>
               <a:t>ingevoerd</a:t>
             </a:r>
             <a:r>
-              <a:rPr lang="en-US" sz="2400" dirty="0" smtClean="0">
+              <a:rPr lang="en-US" sz="2400" dirty="0">
                 <a:latin typeface="Courier New" panose="02070309020205020404" pitchFamily="49" charset="0"/>
                 <a:cs typeface="Courier New" panose="02070309020205020404" pitchFamily="49" charset="0"/>
               </a:rPr>
               <a:t> = Convert.ToInt32(</a:t>
             </a:r>
             <a:r>
-              <a:rPr lang="en-US" sz="2400" dirty="0" err="1" smtClean="0">
+              <a:rPr lang="en-US" sz="2400" dirty="0" err="1">
                 <a:latin typeface="Courier New" panose="02070309020205020404" pitchFamily="49" charset="0"/>
                 <a:cs typeface="Courier New" panose="02070309020205020404" pitchFamily="49" charset="0"/>
               </a:rPr>
@@ -4794,10 +4046,9 @@
           <a:lstStyle/>
           <a:p>
             <a:r>
-              <a:rPr lang="nl-NL" dirty="0" smtClean="0"/>
+              <a:rPr lang="nl-NL" dirty="0"/>
               <a:t>Conversie</a:t>
             </a:r>
-            <a:endParaRPr lang="nl-NL" dirty="0"/>
           </a:p>
         </p:txBody>
       </p:sp>
@@ -5037,113 +4288,109 @@
           <a:lstStyle/>
           <a:p>
             <a:r>
-              <a:rPr lang="en-US" dirty="0" err="1" smtClean="0"/>
+              <a:rPr lang="en-US" dirty="0" err="1"/>
               <a:t>Wil</a:t>
             </a:r>
             <a:r>
-              <a:rPr lang="en-US" dirty="0" smtClean="0"/>
+              <a:rPr lang="en-US" dirty="0"/>
               <a:t> je </a:t>
             </a:r>
             <a:r>
-              <a:rPr lang="en-US" dirty="0" err="1" smtClean="0"/>
+              <a:rPr lang="en-US" dirty="0" err="1"/>
               <a:t>een</a:t>
             </a:r>
             <a:r>
-              <a:rPr lang="en-US" dirty="0" smtClean="0"/>
+              <a:rPr lang="en-US" dirty="0"/>
               <a:t> </a:t>
             </a:r>
             <a:r>
-              <a:rPr lang="en-US" dirty="0" err="1" smtClean="0"/>
+              <a:rPr lang="en-US" dirty="0" err="1"/>
               <a:t>getal</a:t>
             </a:r>
             <a:r>
-              <a:rPr lang="en-US" dirty="0" smtClean="0"/>
+              <a:rPr lang="en-US" dirty="0"/>
               <a:t> in </a:t>
             </a:r>
             <a:r>
-              <a:rPr lang="en-US" dirty="0" err="1" smtClean="0"/>
+              <a:rPr lang="en-US" dirty="0" err="1"/>
               <a:t>een</a:t>
             </a:r>
             <a:r>
-              <a:rPr lang="en-US" dirty="0" smtClean="0"/>
+              <a:rPr lang="en-US" dirty="0"/>
               <a:t> </a:t>
             </a:r>
             <a:r>
-              <a:rPr lang="en-US" dirty="0" err="1" smtClean="0"/>
+              <a:rPr lang="en-US" dirty="0" err="1"/>
               <a:t>TextBox</a:t>
             </a:r>
             <a:r>
-              <a:rPr lang="en-US" dirty="0" smtClean="0"/>
+              <a:rPr lang="en-US" dirty="0"/>
               <a:t> </a:t>
             </a:r>
             <a:r>
-              <a:rPr lang="en-US" dirty="0" err="1" smtClean="0"/>
+              <a:rPr lang="en-US" dirty="0" err="1"/>
               <a:t>plaatsen</a:t>
             </a:r>
             <a:r>
-              <a:rPr lang="en-US" dirty="0" smtClean="0"/>
+              <a:rPr lang="en-US" dirty="0"/>
               <a:t>, </a:t>
             </a:r>
             <a:r>
-              <a:rPr lang="en-US" dirty="0" err="1" smtClean="0"/>
+              <a:rPr lang="en-US" dirty="0" err="1"/>
               <a:t>dan</a:t>
             </a:r>
             <a:r>
-              <a:rPr lang="en-US" dirty="0" smtClean="0"/>
+              <a:rPr lang="en-US" dirty="0"/>
               <a:t> </a:t>
             </a:r>
             <a:r>
-              <a:rPr lang="en-US" dirty="0" err="1" smtClean="0"/>
+              <a:rPr lang="en-US" dirty="0" err="1"/>
               <a:t>moet</a:t>
             </a:r>
             <a:r>
-              <a:rPr lang="en-US" dirty="0" smtClean="0"/>
+              <a:rPr lang="en-US" dirty="0"/>
               <a:t> je het </a:t>
             </a:r>
             <a:r>
-              <a:rPr lang="en-US" dirty="0" err="1" smtClean="0"/>
+              <a:rPr lang="en-US" dirty="0" err="1"/>
               <a:t>getal</a:t>
             </a:r>
             <a:r>
-              <a:rPr lang="en-US" dirty="0" smtClean="0"/>
+              <a:rPr lang="en-US" dirty="0"/>
               <a:t> </a:t>
             </a:r>
             <a:r>
-              <a:rPr lang="en-US" dirty="0" err="1" smtClean="0"/>
+              <a:rPr lang="en-US" dirty="0" err="1"/>
               <a:t>naar</a:t>
             </a:r>
             <a:r>
-              <a:rPr lang="en-US" dirty="0" smtClean="0"/>
+              <a:rPr lang="en-US" dirty="0"/>
               <a:t> </a:t>
             </a:r>
             <a:r>
-              <a:rPr lang="en-US" dirty="0" err="1" smtClean="0"/>
+              <a:rPr lang="en-US" dirty="0" err="1"/>
               <a:t>een</a:t>
             </a:r>
             <a:r>
-              <a:rPr lang="en-US" dirty="0" smtClean="0"/>
+              <a:rPr lang="en-US" dirty="0"/>
               <a:t> string </a:t>
             </a:r>
             <a:r>
-              <a:rPr lang="en-US" dirty="0" err="1" smtClean="0"/>
+              <a:rPr lang="en-US" dirty="0" err="1"/>
               <a:t>converteren</a:t>
             </a:r>
             <a:r>
-              <a:rPr lang="en-US" dirty="0" smtClean="0"/>
+              <a:rPr lang="en-US" dirty="0"/>
               <a:t>:</a:t>
             </a:r>
             <a:br>
-              <a:rPr lang="en-US" dirty="0" smtClean="0"/>
+              <a:rPr lang="en-US" dirty="0"/>
             </a:br>
-            <a:r>
-              <a:rPr lang="en-US" dirty="0" smtClean="0"/>
-              <a:t/>
-            </a:r>
             <a:br>
-              <a:rPr lang="en-US" dirty="0" smtClean="0"/>
+              <a:rPr lang="en-US" dirty="0"/>
             </a:br>
             <a:r>
-              <a:rPr lang="en-US" sz="2400" dirty="0" smtClean="0">
+              <a:rPr lang="en-US" sz="2400" dirty="0">
                 <a:latin typeface="Courier New" panose="02070309020205020404" pitchFamily="49" charset="0"/>
                 <a:cs typeface="Courier New" panose="02070309020205020404" pitchFamily="49" charset="0"/>
               </a:rPr>
@@ -5169,46 +4416,25 @@
               <a:buNone/>
             </a:pPr>
             <a:r>
-              <a:rPr lang="en-US" sz="2400" dirty="0" smtClean="0">
+              <a:rPr lang="en-US" sz="2400" dirty="0">
                 <a:latin typeface="Courier New" panose="02070309020205020404" pitchFamily="49" charset="0"/>
                 <a:cs typeface="Courier New" panose="02070309020205020404" pitchFamily="49" charset="0"/>
               </a:rPr>
               <a:t>  </a:t>
             </a:r>
             <a:r>
-              <a:rPr lang="en-US" sz="2400" dirty="0" err="1" smtClean="0">
+              <a:rPr lang="en-US" sz="2400" dirty="0" err="1">
                 <a:latin typeface="Courier New" panose="02070309020205020404" pitchFamily="49" charset="0"/>
                 <a:cs typeface="Courier New" panose="02070309020205020404" pitchFamily="49" charset="0"/>
               </a:rPr>
               <a:t>prijs</a:t>
             </a:r>
             <a:r>
-              <a:rPr lang="en-US" sz="2400" dirty="0" smtClean="0">
-                <a:latin typeface="Courier New" panose="02070309020205020404" pitchFamily="49" charset="0"/>
-                <a:cs typeface="Courier New" panose="02070309020205020404" pitchFamily="49" charset="0"/>
-              </a:rPr>
-              <a:t> </a:t>
-            </a:r>
-            <a:r>
               <a:rPr lang="en-US" sz="2400" dirty="0">
                 <a:latin typeface="Courier New" panose="02070309020205020404" pitchFamily="49" charset="0"/>
                 <a:cs typeface="Courier New" panose="02070309020205020404" pitchFamily="49" charset="0"/>
               </a:rPr>
-              <a:t>= </a:t>
-            </a:r>
-            <a:r>
-              <a:rPr lang="en-US" sz="2400" dirty="0" smtClean="0">
-                <a:latin typeface="Courier New" panose="02070309020205020404" pitchFamily="49" charset="0"/>
-                <a:cs typeface="Courier New" panose="02070309020205020404" pitchFamily="49" charset="0"/>
-              </a:rPr>
-              <a:t>2.95</a:t>
-            </a:r>
-            <a:r>
-              <a:rPr lang="en-US" sz="2400" dirty="0">
-                <a:latin typeface="Courier New" panose="02070309020205020404" pitchFamily="49" charset="0"/>
-                <a:cs typeface="Courier New" panose="02070309020205020404" pitchFamily="49" charset="0"/>
-              </a:rPr>
-              <a:t>;</a:t>
+              <a:t> = 2.95;</a:t>
             </a:r>
           </a:p>
           <a:p>
@@ -5216,49 +4442,42 @@
               <a:buNone/>
             </a:pPr>
             <a:r>
-              <a:rPr lang="en-US" sz="2400" dirty="0" smtClean="0">
+              <a:rPr lang="en-US" sz="2400" dirty="0">
                 <a:latin typeface="Courier New" panose="02070309020205020404" pitchFamily="49" charset="0"/>
                 <a:cs typeface="Courier New" panose="02070309020205020404" pitchFamily="49" charset="0"/>
               </a:rPr>
               <a:t>  </a:t>
             </a:r>
             <a:r>
-              <a:rPr lang="en-US" sz="2400" dirty="0" err="1" smtClean="0">
+              <a:rPr lang="en-US" sz="2400" dirty="0" err="1">
                 <a:latin typeface="Courier New" panose="02070309020205020404" pitchFamily="49" charset="0"/>
                 <a:cs typeface="Courier New" panose="02070309020205020404" pitchFamily="49" charset="0"/>
               </a:rPr>
               <a:t>tbPrijs.Text</a:t>
             </a:r>
             <a:r>
-              <a:rPr lang="en-US" sz="2400" dirty="0" smtClean="0">
-                <a:latin typeface="Courier New" panose="02070309020205020404" pitchFamily="49" charset="0"/>
-                <a:cs typeface="Courier New" panose="02070309020205020404" pitchFamily="49" charset="0"/>
-              </a:rPr>
-              <a:t> </a:t>
-            </a:r>
-            <a:r>
               <a:rPr lang="en-US" sz="2400" dirty="0">
                 <a:latin typeface="Courier New" panose="02070309020205020404" pitchFamily="49" charset="0"/>
                 <a:cs typeface="Courier New" panose="02070309020205020404" pitchFamily="49" charset="0"/>
               </a:rPr>
-              <a:t>= </a:t>
-            </a:r>
-            <a:r>
-              <a:rPr lang="en-US" sz="2400" dirty="0" err="1" smtClean="0">
+              <a:t> = </a:t>
+            </a:r>
+            <a:r>
+              <a:rPr lang="en-US" sz="2400" dirty="0" err="1">
                 <a:latin typeface="Courier New" panose="02070309020205020404" pitchFamily="49" charset="0"/>
                 <a:cs typeface="Courier New" panose="02070309020205020404" pitchFamily="49" charset="0"/>
               </a:rPr>
               <a:t>Convert.ToString</a:t>
             </a:r>
             <a:r>
-              <a:rPr lang="en-US" sz="2400" dirty="0" smtClean="0">
+              <a:rPr lang="en-US" sz="2400" dirty="0">
                 <a:latin typeface="Courier New" panose="02070309020205020404" pitchFamily="49" charset="0"/>
                 <a:cs typeface="Courier New" panose="02070309020205020404" pitchFamily="49" charset="0"/>
               </a:rPr>
               <a:t>(</a:t>
             </a:r>
             <a:r>
-              <a:rPr lang="en-US" sz="2400" dirty="0" err="1" smtClean="0">
+              <a:rPr lang="en-US" sz="2400" dirty="0" err="1">
                 <a:latin typeface="Courier New" panose="02070309020205020404" pitchFamily="49" charset="0"/>
                 <a:cs typeface="Courier New" panose="02070309020205020404" pitchFamily="49" charset="0"/>
               </a:rPr>
@@ -5297,10 +4516,9 @@
           <a:lstStyle/>
           <a:p>
             <a:r>
-              <a:rPr lang="nl-NL" dirty="0" smtClean="0"/>
+              <a:rPr lang="nl-NL" dirty="0"/>
               <a:t>Conversie</a:t>
             </a:r>
-            <a:endParaRPr lang="nl-NL" dirty="0"/>
           </a:p>
         </p:txBody>
       </p:sp>
@@ -5314,13 +4532,6 @@
   <p:clrMapOvr>
     <a:masterClrMapping/>
   </p:clrMapOvr>
-  <p:timing>
-    <p:tnLst>
-      <p:par>
-        <p:cTn id="1" dur="indefinite" restart="never" nodeType="tmRoot"/>
-      </p:par>
-    </p:tnLst>
-  </p:timing>
 </p:sld>
 </file>
 
@@ -5357,31 +4568,31 @@
           <a:lstStyle/>
           <a:p>
             <a:r>
-              <a:rPr lang="en-US" dirty="0" smtClean="0"/>
+              <a:rPr lang="en-US" dirty="0"/>
               <a:t>Met </a:t>
             </a:r>
             <a:r>
-              <a:rPr lang="en-US" dirty="0" err="1" smtClean="0"/>
+              <a:rPr lang="en-US" dirty="0" err="1"/>
               <a:t>int</a:t>
             </a:r>
             <a:r>
-              <a:rPr lang="en-US" dirty="0" smtClean="0"/>
+              <a:rPr lang="en-US" dirty="0"/>
               <a:t> </a:t>
             </a:r>
             <a:r>
-              <a:rPr lang="en-US" dirty="0" err="1" smtClean="0"/>
+              <a:rPr lang="en-US" dirty="0" err="1"/>
               <a:t>en</a:t>
             </a:r>
             <a:r>
-              <a:rPr lang="en-US" dirty="0" smtClean="0"/>
+              <a:rPr lang="en-US" dirty="0"/>
               <a:t> double kun je </a:t>
             </a:r>
             <a:r>
-              <a:rPr lang="en-US" dirty="0" err="1" smtClean="0"/>
+              <a:rPr lang="en-US" dirty="0" err="1"/>
               <a:t>rekenen</a:t>
             </a:r>
             <a:r>
-              <a:rPr lang="en-US" dirty="0" smtClean="0"/>
+              <a:rPr lang="en-US" dirty="0"/>
               <a:t>:</a:t>
             </a:r>
           </a:p>
@@ -5461,12 +4672,8 @@
               <a:buNone/>
             </a:pPr>
             <a:r>
-              <a:rPr lang="en-US" dirty="0" smtClean="0"/>
-              <a:t>(</a:t>
-            </a:r>
-            <a:r>
-              <a:rPr lang="en-US" dirty="0"/>
-              <a:t>de </a:t>
+              <a:rPr lang="en-US" dirty="0"/>
+              <a:t>(de </a:t>
             </a:r>
             <a:r>
               <a:rPr lang="en-US" dirty="0" err="1"/>
@@ -5490,45 +4697,7 @@
             </a:r>
             <a:r>
               <a:rPr lang="en-US" dirty="0"/>
-              <a:t> ….. </a:t>
-            </a:r>
-            <a:r>
-              <a:rPr lang="en-US" dirty="0" smtClean="0"/>
-              <a:t>?)</a:t>
-            </a:r>
-          </a:p>
-          <a:p>
-            <a:r>
-              <a:rPr lang="en-US" err="1" smtClean="0"/>
-              <a:t>Zie</a:t>
-            </a:r>
-            <a:r>
-              <a:rPr lang="en-US" smtClean="0"/>
-              <a:t> het OIS-dictaat </a:t>
-            </a:r>
-            <a:r>
-              <a:rPr lang="en-US" dirty="0" err="1" smtClean="0"/>
-              <a:t>voor</a:t>
-            </a:r>
-            <a:r>
-              <a:rPr lang="en-US" dirty="0" smtClean="0"/>
-              <a:t> </a:t>
-            </a:r>
-            <a:r>
-              <a:rPr lang="en-US" err="1"/>
-              <a:t>meer</a:t>
-            </a:r>
-            <a:r>
-              <a:rPr lang="en-US"/>
-              <a:t> </a:t>
-            </a:r>
-            <a:r>
-              <a:rPr lang="en-US" smtClean="0"/>
-              <a:t>voorbeelden</a:t>
-            </a:r>
-            <a:r>
-              <a:rPr lang="en-US" dirty="0"/>
-              <a:t>!</a:t>
+              <a:t> ….. ?)</a:t>
             </a:r>
           </a:p>
           <a:p>
@@ -5552,10 +4721,9 @@
           <a:lstStyle/>
           <a:p>
             <a:r>
-              <a:rPr lang="nl-NL" dirty="0" smtClean="0"/>
+              <a:rPr lang="nl-NL" dirty="0"/>
               <a:t>Rekenen</a:t>
             </a:r>
-            <a:endParaRPr lang="nl-NL" dirty="0"/>
           </a:p>
         </p:txBody>
       </p:sp>
@@ -5753,55 +4921,6 @@
                       </p:childTnLst>
                     </p:cTn>
                   </p:par>
-                  <p:par>
-                    <p:cTn id="15" fill="hold">
-                      <p:stCondLst>
-                        <p:cond delay="indefinite"/>
-                      </p:stCondLst>
-                      <p:childTnLst>
-                        <p:par>
-                          <p:cTn id="16" fill="hold">
-                            <p:stCondLst>
-                              <p:cond delay="0"/>
-                            </p:stCondLst>
-                            <p:childTnLst>
-                              <p:par>
-                                <p:cTn id="17" presetID="1" presetClass="entr" presetSubtype="0" fill="hold" grpId="0" nodeType="clickEffect">
-                                  <p:stCondLst>
-                                    <p:cond delay="0"/>
-                                  </p:stCondLst>
-                                  <p:childTnLst>
-                                    <p:set>
-                                      <p:cBhvr>
-                                        <p:cTn id="18" dur="1" fill="hold">
-                                          <p:stCondLst>
-                                            <p:cond delay="0"/>
-                                          </p:stCondLst>
-                                        </p:cTn>
-                                        <p:tgtEl>
-                                          <p:spTgt spid="2">
-                                            <p:txEl>
-                                              <p:pRg st="5" end="5"/>
-                                            </p:txEl>
-                                          </p:spTgt>
-                                        </p:tgtEl>
-                                        <p:attrNameLst>
-                                          <p:attrName>style.visibility</p:attrName>
-                                        </p:attrNameLst>
-                                      </p:cBhvr>
-                                      <p:to>
-                                        <p:strVal val="visible"/>
-                                      </p:to>
-                                    </p:set>
-                                  </p:childTnLst>
-                                </p:cTn>
-                              </p:par>
-                            </p:childTnLst>
-                          </p:cTn>
-                        </p:par>
-                      </p:childTnLst>
-                    </p:cTn>
-                  </p:par>
                 </p:childTnLst>
               </p:cTn>
               <p:prevCondLst>
@@ -5870,33 +4989,22 @@
                 <a:latin typeface="Courier New" panose="02070309020205020404" pitchFamily="49" charset="0"/>
                 <a:cs typeface="Courier New" panose="02070309020205020404" pitchFamily="49" charset="0"/>
               </a:rPr>
-              <a:t>string a = </a:t>
-            </a:r>
-            <a:r>
-              <a:rPr lang="en-US" dirty="0" smtClean="0">
-                <a:latin typeface="Courier New" panose="02070309020205020404" pitchFamily="49" charset="0"/>
-                <a:cs typeface="Courier New" panose="02070309020205020404" pitchFamily="49" charset="0"/>
-              </a:rPr>
-              <a:t>"</a:t>
-            </a:r>
-            <a:r>
-              <a:rPr lang="en-US" dirty="0" err="1" smtClean="0">
+              <a:t>string a = "</a:t>
+            </a:r>
+            <a:r>
+              <a:rPr lang="en-US" dirty="0" err="1">
                 <a:latin typeface="Courier New" panose="02070309020205020404" pitchFamily="49" charset="0"/>
                 <a:cs typeface="Courier New" panose="02070309020205020404" pitchFamily="49" charset="0"/>
               </a:rPr>
               <a:t>aap</a:t>
             </a:r>
             <a:r>
-              <a:rPr lang="en-US" dirty="0" smtClean="0">
+              <a:rPr lang="en-US" dirty="0">
                 <a:latin typeface="Courier New" panose="02070309020205020404" pitchFamily="49" charset="0"/>
                 <a:cs typeface="Courier New" panose="02070309020205020404" pitchFamily="49" charset="0"/>
               </a:rPr>
               <a:t>";</a:t>
             </a:r>
-            <a:endParaRPr lang="en-US" dirty="0">
-              <a:latin typeface="Courier New" panose="02070309020205020404" pitchFamily="49" charset="0"/>
-              <a:cs typeface="Courier New" panose="02070309020205020404" pitchFamily="49" charset="0"/>
-            </a:endParaRPr>
           </a:p>
           <a:p>
             <a:pPr marL="109728" indent="0">
@@ -5907,19 +5015,8 @@
                 <a:latin typeface="Courier New" panose="02070309020205020404" pitchFamily="49" charset="0"/>
                 <a:cs typeface="Courier New" panose="02070309020205020404" pitchFamily="49" charset="0"/>
               </a:rPr>
-              <a:t>string b = </a:t>
-            </a:r>
-            <a:r>
-              <a:rPr lang="en-US" dirty="0" smtClean="0">
-                <a:latin typeface="Courier New" panose="02070309020205020404" pitchFamily="49" charset="0"/>
-                <a:cs typeface="Courier New" panose="02070309020205020404" pitchFamily="49" charset="0"/>
-              </a:rPr>
-              <a:t>"slinger";</a:t>
-            </a:r>
-            <a:endParaRPr lang="en-US" dirty="0">
-              <a:latin typeface="Courier New" panose="02070309020205020404" pitchFamily="49" charset="0"/>
-              <a:cs typeface="Courier New" panose="02070309020205020404" pitchFamily="49" charset="0"/>
-            </a:endParaRPr>
+              <a:t>string b = "slinger";</a:t>
+            </a:r>
           </a:p>
           <a:p>
             <a:pPr marL="109728" indent="0">
@@ -5966,11 +5063,7 @@
             </a:r>
             <a:r>
               <a:rPr lang="en-US" dirty="0"/>
-              <a:t> is </a:t>
-            </a:r>
-            <a:r>
-              <a:rPr lang="en-US" dirty="0" smtClean="0"/>
-              <a:t>…….?</a:t>
+              <a:t> is …….?</a:t>
             </a:r>
             <a:endParaRPr lang="nl-NL" dirty="0"/>
           </a:p>
@@ -5992,10 +5085,9 @@
           <a:lstStyle/>
           <a:p>
             <a:r>
-              <a:rPr lang="nl-NL" dirty="0" smtClean="0"/>
+              <a:rPr lang="nl-NL" dirty="0"/>
               <a:t>Werken met strings</a:t>
             </a:r>
-            <a:endParaRPr lang="nl-NL" dirty="0"/>
           </a:p>
         </p:txBody>
       </p:sp>
@@ -6009,13 +5101,6 @@
   <p:clrMapOvr>
     <a:masterClrMapping/>
   </p:clrMapOvr>
-  <p:timing>
-    <p:tnLst>
-      <p:par>
-        <p:cTn id="1" dur="indefinite" restart="never" nodeType="tmRoot"/>
-      </p:par>
-    </p:tnLst>
-  </p:timing>
 </p:sld>
 </file>
 
@@ -6059,19 +5144,8 @@
                 <a:latin typeface="Courier New" panose="02070309020205020404" pitchFamily="49" charset="0"/>
                 <a:cs typeface="Courier New" panose="02070309020205020404" pitchFamily="49" charset="0"/>
               </a:rPr>
-              <a:t>string a = </a:t>
-            </a:r>
-            <a:r>
-              <a:rPr lang="en-US" dirty="0" smtClean="0">
-                <a:latin typeface="Courier New" panose="02070309020205020404" pitchFamily="49" charset="0"/>
-                <a:cs typeface="Courier New" panose="02070309020205020404" pitchFamily="49" charset="0"/>
-              </a:rPr>
-              <a:t>"10";</a:t>
-            </a:r>
-            <a:endParaRPr lang="en-US" dirty="0">
-              <a:latin typeface="Courier New" panose="02070309020205020404" pitchFamily="49" charset="0"/>
-              <a:cs typeface="Courier New" panose="02070309020205020404" pitchFamily="49" charset="0"/>
-            </a:endParaRPr>
+              <a:t>string a = "10";</a:t>
+            </a:r>
           </a:p>
           <a:p>
             <a:pPr marL="109728" indent="0">
@@ -6082,19 +5156,8 @@
                 <a:latin typeface="Courier New" panose="02070309020205020404" pitchFamily="49" charset="0"/>
                 <a:cs typeface="Courier New" panose="02070309020205020404" pitchFamily="49" charset="0"/>
               </a:rPr>
-              <a:t>string b = </a:t>
-            </a:r>
-            <a:r>
-              <a:rPr lang="en-US" dirty="0" smtClean="0">
-                <a:latin typeface="Courier New" panose="02070309020205020404" pitchFamily="49" charset="0"/>
-                <a:cs typeface="Courier New" panose="02070309020205020404" pitchFamily="49" charset="0"/>
-              </a:rPr>
-              <a:t>"5";</a:t>
-            </a:r>
-            <a:endParaRPr lang="en-US" dirty="0">
-              <a:latin typeface="Courier New" panose="02070309020205020404" pitchFamily="49" charset="0"/>
-              <a:cs typeface="Courier New" panose="02070309020205020404" pitchFamily="49" charset="0"/>
-            </a:endParaRPr>
+              <a:t>string b = "5";</a:t>
+            </a:r>
           </a:p>
           <a:p>
             <a:pPr marL="109728" indent="0">
@@ -6141,11 +5204,7 @@
             </a:r>
             <a:r>
               <a:rPr lang="en-US" dirty="0"/>
-              <a:t> is </a:t>
-            </a:r>
-            <a:r>
-              <a:rPr lang="en-US" dirty="0" smtClean="0"/>
-              <a:t>nu…….?</a:t>
+              <a:t> is nu…….?</a:t>
             </a:r>
             <a:endParaRPr lang="nl-NL" dirty="0"/>
           </a:p>
@@ -6167,10 +5226,9 @@
           <a:lstStyle/>
           <a:p>
             <a:r>
-              <a:rPr lang="nl-NL" dirty="0" smtClean="0"/>
+              <a:rPr lang="nl-NL" dirty="0"/>
               <a:t>Werken met strings</a:t>
             </a:r>
-            <a:endParaRPr lang="nl-NL" dirty="0"/>
           </a:p>
         </p:txBody>
       </p:sp>
@@ -6184,13 +5242,6 @@
   <p:clrMapOvr>
     <a:masterClrMapping/>
   </p:clrMapOvr>
-  <p:timing>
-    <p:tnLst>
-      <p:par>
-        <p:cTn id="1" dur="indefinite" restart="never" nodeType="tmRoot"/>
-      </p:par>
-    </p:tnLst>
-  </p:timing>
 </p:sld>
 </file>
 
@@ -7702,6 +6753,15 @@
 </file>
 
 <file path=customXml/item1.xml><?xml version="1.0" encoding="utf-8"?>
+<?mso-contentType ?>
+<FormTemplates xmlns="http://schemas.microsoft.com/sharepoint/v3/contenttype/forms">
+  <Display>DocumentLibraryForm</Display>
+  <Edit>DocumentLibraryForm</Edit>
+  <New>DocumentLibraryForm</New>
+</FormTemplates>
+</file>
+
+<file path=customXml/item2.xml><?xml version="1.0" encoding="utf-8"?>
 <ct:contentTypeSchema xmlns:ct="http://schemas.microsoft.com/office/2006/metadata/contentType" xmlns:ma="http://schemas.microsoft.com/office/2006/metadata/properties/metaAttributes" ct:_="" ma:_="" ma:contentTypeName="Document" ma:contentTypeID="0x010100B58038D1F586F949BDCB6D68F56E6650" ma:contentTypeVersion="1" ma:contentTypeDescription="Create a new document." ma:contentTypeScope="" ma:versionID="cd8d4eb37389dbde3a72667022213ca5">
   <xsd:schema xmlns:xsd="http://www.w3.org/2001/XMLSchema" xmlns:xs="http://www.w3.org/2001/XMLSchema" xmlns:p="http://schemas.microsoft.com/office/2006/metadata/properties" targetNamespace="http://schemas.microsoft.com/office/2006/metadata/properties" ma:root="true" ma:fieldsID="26e4863383729cb444416dcdc8f5e0bd">
     <xsd:element name="properties">
@@ -7815,15 +6875,6 @@
 </ct:contentTypeSchema>
 </file>
 
-<file path=customXml/item2.xml><?xml version="1.0" encoding="utf-8"?>
-<?mso-contentType ?>
-<FormTemplates xmlns="http://schemas.microsoft.com/sharepoint/v3/contenttype/forms">
-  <Display>DocumentLibraryForm</Display>
-  <Edit>DocumentLibraryForm</Edit>
-  <New>DocumentLibraryForm</New>
-</FormTemplates>
-</file>
-
 <file path=customXml/item3.xml><?xml version="1.0" encoding="utf-8"?>
 <p:properties xmlns:p="http://schemas.microsoft.com/office/2006/metadata/properties" xmlns:xsi="http://www.w3.org/2001/XMLSchema-instance">
   <documentManagement/>
@@ -7831,13 +6882,33 @@
 </file>
 
 <file path=customXml/itemProps1.xml><?xml version="1.0" encoding="utf-8"?>
-<ds:datastoreItem xmlns:ds="http://schemas.openxmlformats.org/officeDocument/2006/customXml" ds:itemID="{FC6329D6-AC1A-4217-97DB-3B03D7FCEF85}"/>
+<ds:datastoreItem xmlns:ds="http://schemas.openxmlformats.org/officeDocument/2006/customXml" ds:itemID="{ABA2CB62-339A-45CC-94D9-6605DEC46DA1}">
+  <ds:schemaRefs>
+    <ds:schemaRef ds:uri="http://schemas.microsoft.com/sharepoint/v3/contenttype/forms"/>
+  </ds:schemaRefs>
+</ds:datastoreItem>
 </file>
 
 <file path=customXml/itemProps2.xml><?xml version="1.0" encoding="utf-8"?>
-<ds:datastoreItem xmlns:ds="http://schemas.openxmlformats.org/officeDocument/2006/customXml" ds:itemID="{ABA2CB62-339A-45CC-94D9-6605DEC46DA1}"/>
+<ds:datastoreItem xmlns:ds="http://schemas.openxmlformats.org/officeDocument/2006/customXml" ds:itemID="{FC6329D6-AC1A-4217-97DB-3B03D7FCEF85}">
+  <ds:schemaRefs>
+    <ds:schemaRef ds:uri="http://schemas.microsoft.com/office/2006/metadata/contentType"/>
+    <ds:schemaRef ds:uri="http://schemas.microsoft.com/office/2006/metadata/properties/metaAttributes"/>
+    <ds:schemaRef ds:uri="http://www.w3.org/2001/XMLSchema"/>
+    <ds:schemaRef ds:uri="http://schemas.microsoft.com/office/2006/metadata/properties"/>
+    <ds:schemaRef ds:uri="http://schemas.openxmlformats.org/package/2006/metadata/core-properties"/>
+    <ds:schemaRef ds:uri="http://purl.org/dc/elements/1.1/"/>
+    <ds:schemaRef ds:uri="http://purl.org/dc/terms/"/>
+    <ds:schemaRef ds:uri="http://schemas.microsoft.com/internal/obd"/>
+    <ds:schemaRef ds:uri="http://schemas.microsoft.com/office/infopath/2007/PartnerControls"/>
+  </ds:schemaRefs>
+</ds:datastoreItem>
 </file>
 
 <file path=customXml/itemProps3.xml><?xml version="1.0" encoding="utf-8"?>
-<ds:datastoreItem xmlns:ds="http://schemas.openxmlformats.org/officeDocument/2006/customXml" ds:itemID="{D4075B2F-DF3C-47EB-9F68-D56AAA03D66C}"/>
+<ds:datastoreItem xmlns:ds="http://schemas.openxmlformats.org/officeDocument/2006/customXml" ds:itemID="{D4075B2F-DF3C-47EB-9F68-D56AAA03D66C}">
+  <ds:schemaRefs>
+    <ds:schemaRef ds:uri="http://schemas.microsoft.com/office/2006/metadata/properties"/>
+  </ds:schemaRefs>
+</ds:datastoreItem>
 </file>